--- a/Docker Sharing Report.pptx
+++ b/Docker Sharing Report.pptx
@@ -5,7 +5,7 @@
     <p:sldMasterId id="2147483648" r:id="rId1"/>
   </p:sldMasterIdLst>
   <p:notesMasterIdLst>
-    <p:notesMasterId r:id="rId23"/>
+    <p:notesMasterId r:id="rId26"/>
   </p:notesMasterIdLst>
   <p:sldIdLst>
     <p:sldId id="256" r:id="rId2"/>
@@ -22,13 +22,16 @@
     <p:sldId id="266" r:id="rId13"/>
     <p:sldId id="260" r:id="rId14"/>
     <p:sldId id="265" r:id="rId15"/>
-    <p:sldId id="267" r:id="rId16"/>
-    <p:sldId id="274" r:id="rId17"/>
-    <p:sldId id="268" r:id="rId18"/>
-    <p:sldId id="270" r:id="rId19"/>
-    <p:sldId id="271" r:id="rId20"/>
-    <p:sldId id="272" r:id="rId21"/>
-    <p:sldId id="273" r:id="rId22"/>
+    <p:sldId id="279" r:id="rId16"/>
+    <p:sldId id="267" r:id="rId17"/>
+    <p:sldId id="274" r:id="rId18"/>
+    <p:sldId id="277" r:id="rId19"/>
+    <p:sldId id="268" r:id="rId20"/>
+    <p:sldId id="270" r:id="rId21"/>
+    <p:sldId id="271" r:id="rId22"/>
+    <p:sldId id="272" r:id="rId23"/>
+    <p:sldId id="273" r:id="rId24"/>
+    <p:sldId id="278" r:id="rId25"/>
   </p:sldIdLst>
   <p:sldSz cx="12192000" cy="6858000"/>
   <p:notesSz cx="6858000" cy="9144000"/>
@@ -146,13 +149,16 @@
             <p14:sldId id="266"/>
             <p14:sldId id="260"/>
             <p14:sldId id="265"/>
+            <p14:sldId id="279"/>
             <p14:sldId id="267"/>
             <p14:sldId id="274"/>
+            <p14:sldId id="277"/>
             <p14:sldId id="268"/>
             <p14:sldId id="270"/>
             <p14:sldId id="271"/>
             <p14:sldId id="272"/>
             <p14:sldId id="273"/>
+            <p14:sldId id="278"/>
           </p14:sldIdLst>
         </p14:section>
       </p14:sectionLst>
@@ -246,7 +252,7 @@
           <a:p>
             <a:fld id="{A9CFDBC6-748F-4BEF-80D5-4D09EFEE9A82}" type="datetimeFigureOut">
               <a:rPr lang="zh-CN" altLang="en-US" smtClean="0"/>
-              <a:t>2021/7/13</a:t>
+              <a:t>2021/7/16</a:t>
             </a:fld>
             <a:endParaRPr lang="zh-CN" altLang="en-US"/>
           </a:p>
@@ -662,7 +668,7 @@
           <a:p>
             <a:fld id="{6607DBB0-C3D5-4717-B0EE-75E4D8090CB0}" type="slidenum">
               <a:rPr lang="zh-CN" altLang="en-US" smtClean="0"/>
-              <a:t>16</a:t>
+              <a:t>17</a:t>
             </a:fld>
             <a:endParaRPr lang="zh-CN" altLang="en-US"/>
           </a:p>
@@ -828,7 +834,7 @@
           <a:p>
             <a:fld id="{AD46AD8A-DD5A-4D13-A813-C9D25C423854}" type="datetimeFigureOut">
               <a:rPr lang="zh-CN" altLang="en-US" smtClean="0"/>
-              <a:t>2021/7/13</a:t>
+              <a:t>2021/7/16</a:t>
             </a:fld>
             <a:endParaRPr lang="zh-CN" altLang="en-US"/>
           </a:p>
@@ -1026,7 +1032,7 @@
           <a:p>
             <a:fld id="{AD46AD8A-DD5A-4D13-A813-C9D25C423854}" type="datetimeFigureOut">
               <a:rPr lang="zh-CN" altLang="en-US" smtClean="0"/>
-              <a:t>2021/7/13</a:t>
+              <a:t>2021/7/16</a:t>
             </a:fld>
             <a:endParaRPr lang="zh-CN" altLang="en-US"/>
           </a:p>
@@ -1234,7 +1240,7 @@
           <a:p>
             <a:fld id="{AD46AD8A-DD5A-4D13-A813-C9D25C423854}" type="datetimeFigureOut">
               <a:rPr lang="zh-CN" altLang="en-US" smtClean="0"/>
-              <a:t>2021/7/13</a:t>
+              <a:t>2021/7/16</a:t>
             </a:fld>
             <a:endParaRPr lang="zh-CN" altLang="en-US"/>
           </a:p>
@@ -1432,7 +1438,7 @@
           <a:p>
             <a:fld id="{AD46AD8A-DD5A-4D13-A813-C9D25C423854}" type="datetimeFigureOut">
               <a:rPr lang="zh-CN" altLang="en-US" smtClean="0"/>
-              <a:t>2021/7/13</a:t>
+              <a:t>2021/7/16</a:t>
             </a:fld>
             <a:endParaRPr lang="zh-CN" altLang="en-US"/>
           </a:p>
@@ -1707,7 +1713,7 @@
           <a:p>
             <a:fld id="{AD46AD8A-DD5A-4D13-A813-C9D25C423854}" type="datetimeFigureOut">
               <a:rPr lang="zh-CN" altLang="en-US" smtClean="0"/>
-              <a:t>2021/7/13</a:t>
+              <a:t>2021/7/16</a:t>
             </a:fld>
             <a:endParaRPr lang="zh-CN" altLang="en-US"/>
           </a:p>
@@ -1972,7 +1978,7 @@
           <a:p>
             <a:fld id="{AD46AD8A-DD5A-4D13-A813-C9D25C423854}" type="datetimeFigureOut">
               <a:rPr lang="zh-CN" altLang="en-US" smtClean="0"/>
-              <a:t>2021/7/13</a:t>
+              <a:t>2021/7/16</a:t>
             </a:fld>
             <a:endParaRPr lang="zh-CN" altLang="en-US"/>
           </a:p>
@@ -2384,7 +2390,7 @@
           <a:p>
             <a:fld id="{AD46AD8A-DD5A-4D13-A813-C9D25C423854}" type="datetimeFigureOut">
               <a:rPr lang="zh-CN" altLang="en-US" smtClean="0"/>
-              <a:t>2021/7/13</a:t>
+              <a:t>2021/7/16</a:t>
             </a:fld>
             <a:endParaRPr lang="zh-CN" altLang="en-US"/>
           </a:p>
@@ -2525,7 +2531,7 @@
           <a:p>
             <a:fld id="{AD46AD8A-DD5A-4D13-A813-C9D25C423854}" type="datetimeFigureOut">
               <a:rPr lang="zh-CN" altLang="en-US" smtClean="0"/>
-              <a:t>2021/7/13</a:t>
+              <a:t>2021/7/16</a:t>
             </a:fld>
             <a:endParaRPr lang="zh-CN" altLang="en-US"/>
           </a:p>
@@ -2638,7 +2644,7 @@
           <a:p>
             <a:fld id="{AD46AD8A-DD5A-4D13-A813-C9D25C423854}" type="datetimeFigureOut">
               <a:rPr lang="zh-CN" altLang="en-US" smtClean="0"/>
-              <a:t>2021/7/13</a:t>
+              <a:t>2021/7/16</a:t>
             </a:fld>
             <a:endParaRPr lang="zh-CN" altLang="en-US"/>
           </a:p>
@@ -2949,7 +2955,7 @@
           <a:p>
             <a:fld id="{AD46AD8A-DD5A-4D13-A813-C9D25C423854}" type="datetimeFigureOut">
               <a:rPr lang="zh-CN" altLang="en-US" smtClean="0"/>
-              <a:t>2021/7/13</a:t>
+              <a:t>2021/7/16</a:t>
             </a:fld>
             <a:endParaRPr lang="zh-CN" altLang="en-US"/>
           </a:p>
@@ -3237,7 +3243,7 @@
           <a:p>
             <a:fld id="{AD46AD8A-DD5A-4D13-A813-C9D25C423854}" type="datetimeFigureOut">
               <a:rPr lang="zh-CN" altLang="en-US" smtClean="0"/>
-              <a:t>2021/7/13</a:t>
+              <a:t>2021/7/16</a:t>
             </a:fld>
             <a:endParaRPr lang="zh-CN" altLang="en-US"/>
           </a:p>
@@ -3481,7 +3487,7 @@
           <a:p>
             <a:fld id="{AD46AD8A-DD5A-4D13-A813-C9D25C423854}" type="datetimeFigureOut">
               <a:rPr lang="zh-CN" altLang="en-US" smtClean="0"/>
-              <a:t>2021/7/13</a:t>
+              <a:t>2021/7/16</a:t>
             </a:fld>
             <a:endParaRPr lang="zh-CN" altLang="en-US"/>
           </a:p>
@@ -4224,8 +4230,8 @@
         </p:nvSpPr>
         <p:spPr>
           <a:xfrm>
-            <a:off x="200891" y="106507"/>
-            <a:ext cx="4297218" cy="752475"/>
+            <a:off x="200890" y="106507"/>
+            <a:ext cx="4980709" cy="752475"/>
           </a:xfrm>
         </p:spPr>
         <p:txBody>
@@ -4266,7 +4272,7 @@
         <p:spPr>
           <a:xfrm>
             <a:off x="1228437" y="1237673"/>
-            <a:ext cx="12628778" cy="3416320"/>
+            <a:ext cx="12566261" cy="3416320"/>
           </a:xfrm>
           <a:prstGeom prst="rect">
             <a:avLst/>
@@ -4405,6 +4411,35 @@
               <a:rPr lang="en-US" altLang="zh-CN" dirty="0"/>
               <a:t>);</a:t>
             </a:r>
+            <a:r>
+              <a:rPr lang="en-US" altLang="zh-CN" dirty="0">
+                <a:latin typeface="微软雅黑" panose="020B0503020204020204" pitchFamily="34" charset="-122"/>
+                <a:ea typeface="微软雅黑" panose="020B0503020204020204" pitchFamily="34" charset="-122"/>
+              </a:rPr>
+              <a:t>【</a:t>
+            </a:r>
+            <a:r>
+              <a:rPr lang="zh-CN" altLang="en-US" dirty="0">
+                <a:latin typeface="微软雅黑" panose="020B0503020204020204" pitchFamily="34" charset="-122"/>
+                <a:ea typeface="微软雅黑" panose="020B0503020204020204" pitchFamily="34" charset="-122"/>
+              </a:rPr>
+              <a:t>只适用于</a:t>
+            </a:r>
+            <a:r>
+              <a:rPr lang="en-US" altLang="zh-CN" dirty="0">
+                <a:latin typeface="微软雅黑" panose="020B0503020204020204" pitchFamily="34" charset="-122"/>
+                <a:ea typeface="微软雅黑" panose="020B0503020204020204" pitchFamily="34" charset="-122"/>
+              </a:rPr>
+              <a:t>Windows</a:t>
+            </a:r>
+            <a:r>
+              <a:rPr lang="zh-CN" altLang="en-US" dirty="0">
+                <a:latin typeface="微软雅黑" panose="020B0503020204020204" pitchFamily="34" charset="-122"/>
+                <a:ea typeface="微软雅黑" panose="020B0503020204020204" pitchFamily="34" charset="-122"/>
+              </a:rPr>
+              <a:t>容器</a:t>
+            </a:r>
+            <a:endParaRPr lang="en-US" altLang="zh-CN" dirty="0"/>
           </a:p>
           <a:p>
             <a:pPr marL="285750" indent="-285750">
@@ -4546,6 +4581,42 @@
               <a:rPr lang="en-US" altLang="zh-CN" dirty="0"/>
               <a:t>data-root</a:t>
             </a:r>
+            <a:r>
+              <a:rPr lang="en-US" altLang="zh-CN" dirty="0">
+                <a:latin typeface="微软雅黑" panose="020B0503020204020204" pitchFamily="34" charset="-122"/>
+                <a:ea typeface="微软雅黑" panose="020B0503020204020204" pitchFamily="34" charset="-122"/>
+              </a:rPr>
+              <a:t> 【</a:t>
+            </a:r>
+            <a:r>
+              <a:rPr lang="zh-CN" altLang="en-US" dirty="0">
+                <a:latin typeface="微软雅黑" panose="020B0503020204020204" pitchFamily="34" charset="-122"/>
+                <a:ea typeface="微软雅黑" panose="020B0503020204020204" pitchFamily="34" charset="-122"/>
+              </a:rPr>
+              <a:t>只适用于</a:t>
+            </a:r>
+            <a:r>
+              <a:rPr lang="en-US" altLang="zh-CN" dirty="0">
+                <a:latin typeface="微软雅黑" panose="020B0503020204020204" pitchFamily="34" charset="-122"/>
+                <a:ea typeface="微软雅黑" panose="020B0503020204020204" pitchFamily="34" charset="-122"/>
+              </a:rPr>
+              <a:t>Windows</a:t>
+            </a:r>
+            <a:r>
+              <a:rPr lang="zh-CN" altLang="en-US" dirty="0">
+                <a:latin typeface="微软雅黑" panose="020B0503020204020204" pitchFamily="34" charset="-122"/>
+                <a:ea typeface="微软雅黑" panose="020B0503020204020204" pitchFamily="34" charset="-122"/>
+              </a:rPr>
+              <a:t>容器</a:t>
+            </a:r>
+            <a:r>
+              <a:rPr lang="en-US" altLang="zh-CN" dirty="0">
+                <a:latin typeface="微软雅黑" panose="020B0503020204020204" pitchFamily="34" charset="-122"/>
+                <a:ea typeface="微软雅黑" panose="020B0503020204020204" pitchFamily="34" charset="-122"/>
+              </a:rPr>
+              <a:t>】</a:t>
+            </a:r>
+            <a:endParaRPr lang="en-US" altLang="zh-CN" dirty="0"/>
           </a:p>
           <a:p>
             <a:pPr marL="285750" indent="-285750">
@@ -5800,6 +5871,55 @@
           </a:p>
         </p:txBody>
       </p:sp>
+      <p:sp>
+        <p:nvSpPr>
+          <p:cNvPr id="4" name="矩形 3">
+            <a:extLst>
+              <a:ext uri="{FF2B5EF4-FFF2-40B4-BE49-F238E27FC236}">
+                <a16:creationId xmlns:a16="http://schemas.microsoft.com/office/drawing/2014/main" id="{21F7D6B9-4214-4F8A-920B-AA2128AF1EA0}"/>
+              </a:ext>
+            </a:extLst>
+          </p:cNvPr>
+          <p:cNvSpPr/>
+          <p:nvPr/>
+        </p:nvSpPr>
+        <p:spPr>
+          <a:xfrm>
+            <a:off x="9011920" y="2817725"/>
+            <a:ext cx="2847254" cy="369332"/>
+          </a:xfrm>
+          <a:prstGeom prst="rect">
+            <a:avLst/>
+          </a:prstGeom>
+        </p:spPr>
+        <p:txBody>
+          <a:bodyPr wrap="none">
+            <a:spAutoFit/>
+          </a:bodyPr>
+          <a:lstStyle/>
+          <a:p>
+            <a:r>
+              <a:rPr lang="zh-CN" altLang="en-US" dirty="0">
+                <a:hlinkClick r:id="rId3"/>
+              </a:rPr>
+              <a:t>修改</a:t>
+            </a:r>
+            <a:r>
+              <a:rPr lang="en-US" altLang="zh-CN" dirty="0">
+                <a:hlinkClick r:id="rId3"/>
+              </a:rPr>
+              <a:t>Linux Docker</a:t>
+            </a:r>
+            <a:r>
+              <a:rPr lang="zh-CN" altLang="en-US" dirty="0">
+                <a:hlinkClick r:id="rId3"/>
+              </a:rPr>
+              <a:t>容器时间</a:t>
+            </a:r>
+            <a:endParaRPr lang="zh-CN" altLang="en-US" dirty="0"/>
+          </a:p>
+        </p:txBody>
+      </p:sp>
     </p:spTree>
     <p:extLst>
       <p:ext uri="{BB962C8B-B14F-4D97-AF65-F5344CB8AC3E}">
@@ -5832,476 +5952,10 @@
       </p:grpSpPr>
       <p:sp>
         <p:nvSpPr>
-          <p:cNvPr id="5" name="文本框 4">
-            <a:extLst>
-              <a:ext uri="{FF2B5EF4-FFF2-40B4-BE49-F238E27FC236}">
-                <a16:creationId xmlns:a16="http://schemas.microsoft.com/office/drawing/2014/main" id="{38B3DB3F-1C3D-4D7B-877B-8E2F05F5AA71}"/>
-              </a:ext>
-            </a:extLst>
-          </p:cNvPr>
-          <p:cNvSpPr txBox="1"/>
-          <p:nvPr/>
-        </p:nvSpPr>
-        <p:spPr>
-          <a:xfrm>
-            <a:off x="1228436" y="1944869"/>
-            <a:ext cx="9596581" cy="2585323"/>
-          </a:xfrm>
-          <a:prstGeom prst="rect">
-            <a:avLst/>
-          </a:prstGeom>
-          <a:noFill/>
-        </p:spPr>
-        <p:txBody>
-          <a:bodyPr wrap="square">
-            <a:spAutoFit/>
-          </a:bodyPr>
-          <a:lstStyle/>
-          <a:p>
-            <a:pPr marL="285750" indent="-285750" algn="l">
-              <a:buFont typeface="Wingdings" panose="05000000000000000000" pitchFamily="2" charset="2"/>
-              <a:buChar char="Ø"/>
-            </a:pPr>
-            <a:r>
-              <a:rPr lang="en-US" altLang="zh-CN" b="0" i="0" dirty="0">
-                <a:solidFill>
-                  <a:srgbClr val="333333"/>
-                </a:solidFill>
-                <a:effectLst/>
-                <a:latin typeface="Helvetica Neue"/>
-              </a:rPr>
-              <a:t>export </a:t>
-            </a:r>
-            <a:r>
-              <a:rPr lang="zh-CN" altLang="en-US" b="0" i="0" dirty="0">
-                <a:solidFill>
-                  <a:srgbClr val="333333"/>
-                </a:solidFill>
-                <a:effectLst/>
-                <a:latin typeface="Helvetica Neue"/>
-              </a:rPr>
-              <a:t>和 </a:t>
-            </a:r>
-            <a:r>
-              <a:rPr lang="en-US" altLang="zh-CN" b="0" i="0" dirty="0">
-                <a:solidFill>
-                  <a:srgbClr val="333333"/>
-                </a:solidFill>
-                <a:effectLst/>
-                <a:latin typeface="Helvetica Neue"/>
-              </a:rPr>
-              <a:t>import </a:t>
-            </a:r>
-            <a:r>
-              <a:rPr lang="zh-CN" altLang="en-US" b="0" i="0" dirty="0">
-                <a:solidFill>
-                  <a:srgbClr val="333333"/>
-                </a:solidFill>
-                <a:effectLst/>
-                <a:latin typeface="Helvetica Neue"/>
-              </a:rPr>
-              <a:t>导出的是一个容器的快照</a:t>
-            </a:r>
-            <a:r>
-              <a:rPr lang="en-US" altLang="zh-CN" b="0" i="0" dirty="0">
-                <a:solidFill>
-                  <a:srgbClr val="333333"/>
-                </a:solidFill>
-                <a:effectLst/>
-                <a:latin typeface="Helvetica Neue"/>
-              </a:rPr>
-              <a:t>, </a:t>
-            </a:r>
-            <a:r>
-              <a:rPr lang="zh-CN" altLang="en-US" b="0" i="0" dirty="0">
-                <a:solidFill>
-                  <a:srgbClr val="333333"/>
-                </a:solidFill>
-                <a:effectLst/>
-                <a:latin typeface="Helvetica Neue"/>
-              </a:rPr>
-              <a:t>不是镜像本身</a:t>
-            </a:r>
-            <a:r>
-              <a:rPr lang="en-US" altLang="zh-CN" b="0" i="0" dirty="0">
-                <a:solidFill>
-                  <a:srgbClr val="333333"/>
-                </a:solidFill>
-                <a:effectLst/>
-                <a:latin typeface="Helvetica Neue"/>
-              </a:rPr>
-              <a:t>, </a:t>
-            </a:r>
-            <a:r>
-              <a:rPr lang="zh-CN" altLang="en-US" b="0" i="0" dirty="0">
-                <a:solidFill>
-                  <a:srgbClr val="333333"/>
-                </a:solidFill>
-                <a:effectLst/>
-                <a:latin typeface="Helvetica Neue"/>
-              </a:rPr>
-              <a:t>也就是说没有 </a:t>
-            </a:r>
-            <a:r>
-              <a:rPr lang="en-US" altLang="zh-CN" b="0" i="0" dirty="0">
-                <a:solidFill>
-                  <a:srgbClr val="333333"/>
-                </a:solidFill>
-                <a:effectLst/>
-                <a:latin typeface="Helvetica Neue"/>
-              </a:rPr>
-              <a:t>layer</a:t>
-            </a:r>
-            <a:r>
-              <a:rPr lang="zh-CN" altLang="en-US" b="0" i="0" dirty="0">
-                <a:solidFill>
-                  <a:srgbClr val="333333"/>
-                </a:solidFill>
-                <a:effectLst/>
-                <a:latin typeface="Helvetica Neue"/>
-              </a:rPr>
-              <a:t>。</a:t>
-            </a:r>
-            <a:r>
-              <a:rPr lang="en-US" altLang="zh-CN" b="0" i="0" dirty="0" err="1">
-                <a:solidFill>
-                  <a:srgbClr val="333333"/>
-                </a:solidFill>
-                <a:effectLst/>
-                <a:latin typeface="Helvetica Neue"/>
-              </a:rPr>
-              <a:t>dockerfile</a:t>
-            </a:r>
-            <a:r>
-              <a:rPr lang="en-US" altLang="zh-CN" b="0" i="0" dirty="0">
-                <a:solidFill>
-                  <a:srgbClr val="333333"/>
-                </a:solidFill>
-                <a:effectLst/>
-                <a:latin typeface="Helvetica Neue"/>
-              </a:rPr>
-              <a:t> </a:t>
-            </a:r>
-            <a:r>
-              <a:rPr lang="zh-CN" altLang="en-US" b="0" i="0" dirty="0">
-                <a:solidFill>
-                  <a:srgbClr val="333333"/>
-                </a:solidFill>
-                <a:effectLst/>
-                <a:latin typeface="Helvetica Neue"/>
-              </a:rPr>
-              <a:t>里的 </a:t>
-            </a:r>
-            <a:r>
-              <a:rPr lang="en-US" altLang="zh-CN" b="0" i="0" dirty="0" err="1">
-                <a:solidFill>
-                  <a:srgbClr val="333333"/>
-                </a:solidFill>
-                <a:effectLst/>
-                <a:latin typeface="Helvetica Neue"/>
-              </a:rPr>
-              <a:t>workdir</a:t>
-            </a:r>
-            <a:r>
-              <a:rPr lang="en-US" altLang="zh-CN" b="0" i="0" dirty="0">
-                <a:solidFill>
-                  <a:srgbClr val="333333"/>
-                </a:solidFill>
-                <a:effectLst/>
-                <a:latin typeface="Helvetica Neue"/>
-              </a:rPr>
-              <a:t>, </a:t>
-            </a:r>
-            <a:r>
-              <a:rPr lang="en-US" altLang="zh-CN" b="0" i="0" dirty="0" err="1">
-                <a:solidFill>
-                  <a:srgbClr val="333333"/>
-                </a:solidFill>
-                <a:effectLst/>
-                <a:latin typeface="Helvetica Neue"/>
-              </a:rPr>
-              <a:t>entrypoint</a:t>
-            </a:r>
-            <a:r>
-              <a:rPr lang="en-US" altLang="zh-CN" b="0" i="0" dirty="0">
-                <a:solidFill>
-                  <a:srgbClr val="333333"/>
-                </a:solidFill>
-                <a:effectLst/>
-                <a:latin typeface="Helvetica Neue"/>
-              </a:rPr>
-              <a:t> </a:t>
-            </a:r>
-            <a:r>
-              <a:rPr lang="zh-CN" altLang="en-US" b="0" i="0" dirty="0">
-                <a:solidFill>
-                  <a:srgbClr val="333333"/>
-                </a:solidFill>
-                <a:effectLst/>
-                <a:latin typeface="Helvetica Neue"/>
-              </a:rPr>
-              <a:t>之类的所有东西都会丢失，</a:t>
-            </a:r>
-            <a:r>
-              <a:rPr lang="en-US" altLang="zh-CN" b="0" i="0" dirty="0">
-                <a:solidFill>
-                  <a:srgbClr val="333333"/>
-                </a:solidFill>
-                <a:effectLst/>
-                <a:latin typeface="Helvetica Neue"/>
-              </a:rPr>
-              <a:t>commit </a:t>
-            </a:r>
-            <a:r>
-              <a:rPr lang="zh-CN" altLang="en-US" b="0" i="0" dirty="0">
-                <a:solidFill>
-                  <a:srgbClr val="333333"/>
-                </a:solidFill>
-                <a:effectLst/>
-                <a:latin typeface="Helvetica Neue"/>
-              </a:rPr>
-              <a:t>过的话也会丢失。快照文件将丢弃所有的历史记录和元数据信息（即仅保存容器当时的快照状态），而镜像存储文件将保存完整记录，体积也更大。</a:t>
-            </a:r>
-            <a:endParaRPr lang="en-US" altLang="zh-CN" b="0" i="0" dirty="0">
-              <a:solidFill>
-                <a:srgbClr val="333333"/>
-              </a:solidFill>
-              <a:effectLst/>
-              <a:latin typeface="Helvetica Neue"/>
-            </a:endParaRPr>
-          </a:p>
-          <a:p>
-            <a:pPr marL="285750" indent="-285750" algn="l">
-              <a:buFont typeface="Wingdings" panose="05000000000000000000" pitchFamily="2" charset="2"/>
-              <a:buChar char="Ø"/>
-            </a:pPr>
-            <a:endParaRPr lang="en-US" altLang="zh-CN" b="0" i="0" dirty="0">
-              <a:solidFill>
-                <a:srgbClr val="333333"/>
-              </a:solidFill>
-              <a:effectLst/>
-              <a:latin typeface="Helvetica Neue"/>
-            </a:endParaRPr>
-          </a:p>
-          <a:p>
-            <a:pPr marL="285750" indent="-285750" algn="l">
-              <a:buFont typeface="Wingdings" panose="05000000000000000000" pitchFamily="2" charset="2"/>
-              <a:buChar char="Ø"/>
-            </a:pPr>
-            <a:r>
-              <a:rPr lang="en-US" altLang="zh-CN" b="0" i="0" dirty="0">
-                <a:solidFill>
-                  <a:srgbClr val="333333"/>
-                </a:solidFill>
-                <a:effectLst/>
-                <a:latin typeface="Helvetica Neue"/>
-              </a:rPr>
-              <a:t>docker save </a:t>
-            </a:r>
-            <a:r>
-              <a:rPr lang="zh-CN" altLang="en-US" b="0" i="0" dirty="0">
-                <a:solidFill>
-                  <a:srgbClr val="333333"/>
-                </a:solidFill>
-                <a:effectLst/>
-                <a:latin typeface="Helvetica Neue"/>
-              </a:rPr>
-              <a:t>保存的是镜像（</a:t>
-            </a:r>
-            <a:r>
-              <a:rPr lang="en-US" altLang="zh-CN" b="0" i="0" dirty="0">
-                <a:solidFill>
-                  <a:srgbClr val="333333"/>
-                </a:solidFill>
-                <a:effectLst/>
-                <a:latin typeface="Helvetica Neue"/>
-              </a:rPr>
-              <a:t>image</a:t>
-            </a:r>
-            <a:r>
-              <a:rPr lang="zh-CN" altLang="en-US" b="0" i="0" dirty="0">
-                <a:solidFill>
-                  <a:srgbClr val="333333"/>
-                </a:solidFill>
-                <a:effectLst/>
-                <a:latin typeface="Helvetica Neue"/>
-              </a:rPr>
-              <a:t>），</a:t>
-            </a:r>
-            <a:r>
-              <a:rPr lang="en-US" altLang="zh-CN" b="0" i="0" dirty="0">
-                <a:solidFill>
-                  <a:srgbClr val="333333"/>
-                </a:solidFill>
-                <a:effectLst/>
-                <a:latin typeface="Helvetica Neue"/>
-              </a:rPr>
-              <a:t>docker export </a:t>
-            </a:r>
-            <a:r>
-              <a:rPr lang="zh-CN" altLang="en-US" b="0" i="0" dirty="0">
-                <a:solidFill>
-                  <a:srgbClr val="333333"/>
-                </a:solidFill>
-                <a:effectLst/>
-                <a:latin typeface="Helvetica Neue"/>
-              </a:rPr>
-              <a:t>保存的是容器（</a:t>
-            </a:r>
-            <a:r>
-              <a:rPr lang="en-US" altLang="zh-CN" b="0" i="0" dirty="0">
-                <a:solidFill>
-                  <a:srgbClr val="333333"/>
-                </a:solidFill>
-                <a:effectLst/>
-                <a:latin typeface="Helvetica Neue"/>
-              </a:rPr>
-              <a:t>container</a:t>
-            </a:r>
-            <a:r>
-              <a:rPr lang="zh-CN" altLang="en-US" b="0" i="0" dirty="0">
-                <a:solidFill>
-                  <a:srgbClr val="333333"/>
-                </a:solidFill>
-                <a:effectLst/>
-                <a:latin typeface="Helvetica Neue"/>
-              </a:rPr>
-              <a:t>）</a:t>
-            </a:r>
-            <a:r>
-              <a:rPr lang="zh-CN" altLang="en-US" dirty="0">
-                <a:solidFill>
-                  <a:srgbClr val="333333"/>
-                </a:solidFill>
-                <a:latin typeface="Helvetica Neue"/>
-              </a:rPr>
-              <a:t>；</a:t>
-            </a:r>
-            <a:r>
-              <a:rPr lang="en-US" altLang="zh-CN" b="0" i="0" dirty="0">
-                <a:solidFill>
-                  <a:srgbClr val="333333"/>
-                </a:solidFill>
-                <a:effectLst/>
-                <a:latin typeface="Helvetica Neue"/>
-              </a:rPr>
-              <a:t>docker load </a:t>
-            </a:r>
-            <a:r>
-              <a:rPr lang="zh-CN" altLang="en-US" b="0" i="0" dirty="0">
-                <a:solidFill>
-                  <a:srgbClr val="333333"/>
-                </a:solidFill>
-                <a:effectLst/>
-                <a:latin typeface="Helvetica Neue"/>
-              </a:rPr>
-              <a:t>用来载入镜像包，</a:t>
-            </a:r>
-            <a:r>
-              <a:rPr lang="en-US" altLang="zh-CN" b="0" i="0" dirty="0">
-                <a:solidFill>
-                  <a:srgbClr val="333333"/>
-                </a:solidFill>
-                <a:effectLst/>
-                <a:latin typeface="Helvetica Neue"/>
-              </a:rPr>
-              <a:t>docker import </a:t>
-            </a:r>
-            <a:r>
-              <a:rPr lang="zh-CN" altLang="en-US" b="0" i="0" dirty="0">
-                <a:solidFill>
-                  <a:srgbClr val="333333"/>
-                </a:solidFill>
-                <a:effectLst/>
-                <a:latin typeface="Helvetica Neue"/>
-              </a:rPr>
-              <a:t>用来载入容器包，但两者都会恢复为镜像；</a:t>
-            </a:r>
-            <a:endParaRPr lang="en-US" altLang="zh-CN" b="0" i="0" dirty="0">
-              <a:solidFill>
-                <a:srgbClr val="333333"/>
-              </a:solidFill>
-              <a:effectLst/>
-              <a:latin typeface="Helvetica Neue"/>
-            </a:endParaRPr>
-          </a:p>
-          <a:p>
-            <a:pPr marL="285750" indent="-285750" algn="l">
-              <a:buFont typeface="Wingdings" panose="05000000000000000000" pitchFamily="2" charset="2"/>
-              <a:buChar char="Ø"/>
-            </a:pPr>
-            <a:endParaRPr lang="en-US" altLang="zh-CN" b="0" i="0" dirty="0">
-              <a:solidFill>
-                <a:srgbClr val="333333"/>
-              </a:solidFill>
-              <a:effectLst/>
-              <a:latin typeface="Helvetica Neue"/>
-            </a:endParaRPr>
-          </a:p>
-          <a:p>
-            <a:pPr marL="285750" indent="-285750" algn="l">
-              <a:buFont typeface="Wingdings" panose="05000000000000000000" pitchFamily="2" charset="2"/>
-              <a:buChar char="Ø"/>
-            </a:pPr>
-            <a:r>
-              <a:rPr lang="zh-CN" altLang="en-US" b="0" i="0" dirty="0">
-                <a:solidFill>
-                  <a:srgbClr val="333333"/>
-                </a:solidFill>
-                <a:effectLst/>
-                <a:latin typeface="Helvetica Neue"/>
-              </a:rPr>
-              <a:t> </a:t>
-            </a:r>
-            <a:r>
-              <a:rPr lang="en-US" altLang="zh-CN" b="0" i="0" dirty="0">
-                <a:solidFill>
-                  <a:srgbClr val="333333"/>
-                </a:solidFill>
-                <a:effectLst/>
-                <a:latin typeface="Helvetica Neue"/>
-              </a:rPr>
-              <a:t>docker load </a:t>
-            </a:r>
-            <a:r>
-              <a:rPr lang="zh-CN" altLang="en-US" b="0" i="0" dirty="0">
-                <a:solidFill>
-                  <a:srgbClr val="333333"/>
-                </a:solidFill>
-                <a:effectLst/>
-                <a:latin typeface="Helvetica Neue"/>
-              </a:rPr>
-              <a:t>不能对载入的镜像重命名，而 </a:t>
-            </a:r>
-            <a:r>
-              <a:rPr lang="en-US" altLang="zh-CN" b="0" i="0" dirty="0">
-                <a:solidFill>
-                  <a:srgbClr val="333333"/>
-                </a:solidFill>
-                <a:effectLst/>
-                <a:latin typeface="Helvetica Neue"/>
-              </a:rPr>
-              <a:t>docker import </a:t>
-            </a:r>
-            <a:r>
-              <a:rPr lang="zh-CN" altLang="en-US" b="0" i="0" dirty="0">
-                <a:solidFill>
-                  <a:srgbClr val="333333"/>
-                </a:solidFill>
-                <a:effectLst/>
-                <a:latin typeface="Helvetica Neue"/>
-              </a:rPr>
-              <a:t>可以为镜像指定新名称。</a:t>
-            </a:r>
-          </a:p>
-        </p:txBody>
-      </p:sp>
-      <p:sp>
-        <p:nvSpPr>
-          <p:cNvPr id="6" name="文本框 5">
-            <a:extLst>
-              <a:ext uri="{FF2B5EF4-FFF2-40B4-BE49-F238E27FC236}">
-                <a16:creationId xmlns:a16="http://schemas.microsoft.com/office/drawing/2014/main" id="{A65A0CAC-66A3-448A-A393-786A5B2A59AB}"/>
+          <p:cNvPr id="4" name="文本框 3">
+            <a:extLst>
+              <a:ext uri="{FF2B5EF4-FFF2-40B4-BE49-F238E27FC236}">
+                <a16:creationId xmlns:a16="http://schemas.microsoft.com/office/drawing/2014/main" id="{F11227A3-4336-42A3-8B8F-A44CFA6F7567}"/>
               </a:ext>
             </a:extLst>
           </p:cNvPr>
@@ -6325,19 +5979,109 @@
           <a:lstStyle/>
           <a:p>
             <a:r>
+              <a:rPr lang="en-US" altLang="zh-CN" sz="3200" dirty="0">
+                <a:latin typeface="微软雅黑" panose="020B0503020204020204" pitchFamily="34" charset="-122"/>
+                <a:ea typeface="微软雅黑" panose="020B0503020204020204" pitchFamily="34" charset="-122"/>
+              </a:rPr>
+              <a:t>docker run </a:t>
+            </a:r>
+            <a:r>
               <a:rPr lang="zh-CN" altLang="en-US" sz="3200" dirty="0">
                 <a:latin typeface="微软雅黑" panose="020B0503020204020204" pitchFamily="34" charset="-122"/>
                 <a:ea typeface="微软雅黑" panose="020B0503020204020204" pitchFamily="34" charset="-122"/>
               </a:rPr>
-              <a:t>容器导入导出与镜像保存装载</a:t>
-            </a:r>
+              <a:t>带时区命令</a:t>
+            </a:r>
+          </a:p>
+        </p:txBody>
+      </p:sp>
+      <p:sp>
+        <p:nvSpPr>
+          <p:cNvPr id="5" name="文本框 4">
+            <a:extLst>
+              <a:ext uri="{FF2B5EF4-FFF2-40B4-BE49-F238E27FC236}">
+                <a16:creationId xmlns:a16="http://schemas.microsoft.com/office/drawing/2014/main" id="{0793DE85-3AC5-4226-B342-36E11C15B28A}"/>
+              </a:ext>
+            </a:extLst>
+          </p:cNvPr>
+          <p:cNvSpPr txBox="1"/>
+          <p:nvPr/>
+        </p:nvSpPr>
+        <p:spPr>
+          <a:xfrm>
+            <a:off x="2198254" y="1376218"/>
+            <a:ext cx="8811492" cy="369332"/>
+          </a:xfrm>
+          <a:prstGeom prst="rect">
+            <a:avLst/>
+          </a:prstGeom>
+          <a:noFill/>
+        </p:spPr>
+        <p:txBody>
+          <a:bodyPr wrap="square" rtlCol="0">
+            <a:spAutoFit/>
+          </a:bodyPr>
+          <a:lstStyle/>
+          <a:p>
+            <a:pPr marL="285750" indent="-285750">
+              <a:buFont typeface="Wingdings" panose="05000000000000000000" pitchFamily="2" charset="2"/>
+              <a:buChar char="u"/>
+            </a:pPr>
+            <a:endParaRPr lang="en-US" altLang="zh-CN" dirty="0"/>
+          </a:p>
+        </p:txBody>
+      </p:sp>
+      <p:sp>
+        <p:nvSpPr>
+          <p:cNvPr id="6" name="矩形 5">
+            <a:extLst>
+              <a:ext uri="{FF2B5EF4-FFF2-40B4-BE49-F238E27FC236}">
+                <a16:creationId xmlns:a16="http://schemas.microsoft.com/office/drawing/2014/main" id="{1634D693-918F-4EFB-9492-5EE5FED15D5D}"/>
+              </a:ext>
+            </a:extLst>
+          </p:cNvPr>
+          <p:cNvSpPr/>
+          <p:nvPr/>
+        </p:nvSpPr>
+        <p:spPr>
+          <a:xfrm>
+            <a:off x="2118821" y="2334083"/>
+            <a:ext cx="8970357" cy="369332"/>
+          </a:xfrm>
+          <a:prstGeom prst="rect">
+            <a:avLst/>
+          </a:prstGeom>
+        </p:spPr>
+        <p:txBody>
+          <a:bodyPr wrap="square">
+            <a:spAutoFit/>
+          </a:bodyPr>
+          <a:lstStyle/>
+          <a:p>
+            <a:r>
+              <a:rPr lang="en-US" altLang="zh-CN" dirty="0"/>
+              <a:t>docker run --name </a:t>
+            </a:r>
+            <a:r>
+              <a:rPr lang="en-US" altLang="zh-CN" dirty="0" err="1"/>
+              <a:t>apicore_sh</a:t>
+            </a:r>
+            <a:r>
+              <a:rPr lang="en-US" altLang="zh-CN" dirty="0"/>
+              <a:t> -e TZ="Asia/Shanghai" -d -p 9018:80 </a:t>
+            </a:r>
+            <a:r>
+              <a:rPr lang="en-US" altLang="zh-CN" dirty="0" err="1"/>
+              <a:t>reportapi_core</a:t>
+            </a:r>
+            <a:endParaRPr lang="zh-CN" altLang="en-US" dirty="0"/>
           </a:p>
         </p:txBody>
       </p:sp>
     </p:spTree>
     <p:extLst>
       <p:ext uri="{BB962C8B-B14F-4D97-AF65-F5344CB8AC3E}">
-        <p14:creationId xmlns:p14="http://schemas.microsoft.com/office/powerpoint/2010/main" val="484527305"/>
+        <p14:creationId xmlns:p14="http://schemas.microsoft.com/office/powerpoint/2010/main" val="441036446"/>
       </p:ext>
     </p:extLst>
   </p:cSld>
@@ -6366,10 +6110,10 @@
       </p:grpSpPr>
       <p:sp>
         <p:nvSpPr>
-          <p:cNvPr id="6" name="文本框 5">
-            <a:extLst>
-              <a:ext uri="{FF2B5EF4-FFF2-40B4-BE49-F238E27FC236}">
-                <a16:creationId xmlns:a16="http://schemas.microsoft.com/office/drawing/2014/main" id="{A65A0CAC-66A3-448A-A393-786A5B2A59AB}"/>
+          <p:cNvPr id="5" name="文本框 4">
+            <a:extLst>
+              <a:ext uri="{FF2B5EF4-FFF2-40B4-BE49-F238E27FC236}">
+                <a16:creationId xmlns:a16="http://schemas.microsoft.com/office/drawing/2014/main" id="{38B3DB3F-1C3D-4D7B-877B-8E2F05F5AA71}"/>
               </a:ext>
             </a:extLst>
           </p:cNvPr>
@@ -6378,8 +6122,8 @@
         </p:nvSpPr>
         <p:spPr>
           <a:xfrm>
-            <a:off x="92363" y="120073"/>
-            <a:ext cx="6755477" cy="584775"/>
+            <a:off x="1228436" y="1944869"/>
+            <a:ext cx="9596581" cy="2585323"/>
           </a:xfrm>
           <a:prstGeom prst="rect">
             <a:avLst/>
@@ -6387,92 +6131,465 @@
           <a:noFill/>
         </p:spPr>
         <p:txBody>
-          <a:bodyPr wrap="square" rtlCol="0">
+          <a:bodyPr wrap="square">
             <a:spAutoFit/>
           </a:bodyPr>
           <a:lstStyle/>
           <a:p>
-            <a:r>
-              <a:rPr lang="zh-CN" altLang="en-US" sz="3200" dirty="0">
-                <a:latin typeface="微软雅黑" panose="020B0503020204020204" pitchFamily="34" charset="-122"/>
-                <a:ea typeface="微软雅黑" panose="020B0503020204020204" pitchFamily="34" charset="-122"/>
-              </a:rPr>
-              <a:t>本地镜像上传下载</a:t>
-            </a:r>
-            <a:r>
-              <a:rPr lang="en-US" altLang="zh-CN" sz="3200" dirty="0">
-                <a:latin typeface="微软雅黑" panose="020B0503020204020204" pitchFamily="34" charset="-122"/>
-                <a:ea typeface="微软雅黑" panose="020B0503020204020204" pitchFamily="34" charset="-122"/>
-              </a:rPr>
-              <a:t>(</a:t>
-            </a:r>
-            <a:r>
-              <a:rPr lang="zh-CN" altLang="en-US" sz="3200" dirty="0">
-                <a:latin typeface="微软雅黑" panose="020B0503020204020204" pitchFamily="34" charset="-122"/>
-                <a:ea typeface="微软雅黑" panose="020B0503020204020204" pitchFamily="34" charset="-122"/>
-              </a:rPr>
-              <a:t>以腾讯云为例</a:t>
-            </a:r>
-            <a:r>
-              <a:rPr lang="en-US" altLang="zh-CN" sz="3200" dirty="0">
-                <a:latin typeface="微软雅黑" panose="020B0503020204020204" pitchFamily="34" charset="-122"/>
-                <a:ea typeface="微软雅黑" panose="020B0503020204020204" pitchFamily="34" charset="-122"/>
-              </a:rPr>
-              <a:t>)</a:t>
-            </a:r>
-            <a:endParaRPr lang="zh-CN" altLang="en-US" sz="3200" dirty="0">
-              <a:latin typeface="微软雅黑" panose="020B0503020204020204" pitchFamily="34" charset="-122"/>
-              <a:ea typeface="微软雅黑" panose="020B0503020204020204" pitchFamily="34" charset="-122"/>
+            <a:pPr marL="285750" indent="-285750" algn="l">
+              <a:buFont typeface="Wingdings" panose="05000000000000000000" pitchFamily="2" charset="2"/>
+              <a:buChar char="Ø"/>
+            </a:pPr>
+            <a:r>
+              <a:rPr lang="en-US" altLang="zh-CN" b="0" i="0" dirty="0">
+                <a:solidFill>
+                  <a:srgbClr val="333333"/>
+                </a:solidFill>
+                <a:effectLst/>
+                <a:latin typeface="Helvetica Neue"/>
+              </a:rPr>
+              <a:t>export </a:t>
+            </a:r>
+            <a:r>
+              <a:rPr lang="zh-CN" altLang="en-US" b="0" i="0" dirty="0">
+                <a:solidFill>
+                  <a:srgbClr val="333333"/>
+                </a:solidFill>
+                <a:effectLst/>
+                <a:latin typeface="Helvetica Neue"/>
+              </a:rPr>
+              <a:t>和 </a:t>
+            </a:r>
+            <a:r>
+              <a:rPr lang="en-US" altLang="zh-CN" b="0" i="0" dirty="0">
+                <a:solidFill>
+                  <a:srgbClr val="333333"/>
+                </a:solidFill>
+                <a:effectLst/>
+                <a:latin typeface="Helvetica Neue"/>
+              </a:rPr>
+              <a:t>import </a:t>
+            </a:r>
+            <a:r>
+              <a:rPr lang="zh-CN" altLang="en-US" b="0" i="0" dirty="0">
+                <a:solidFill>
+                  <a:srgbClr val="333333"/>
+                </a:solidFill>
+                <a:effectLst/>
+                <a:latin typeface="Helvetica Neue"/>
+              </a:rPr>
+              <a:t>导出的是一个容器的快照</a:t>
+            </a:r>
+            <a:r>
+              <a:rPr lang="en-US" altLang="zh-CN" b="0" i="0" dirty="0">
+                <a:solidFill>
+                  <a:srgbClr val="333333"/>
+                </a:solidFill>
+                <a:effectLst/>
+                <a:latin typeface="Helvetica Neue"/>
+              </a:rPr>
+              <a:t>, </a:t>
+            </a:r>
+            <a:r>
+              <a:rPr lang="zh-CN" altLang="en-US" b="0" i="0" dirty="0">
+                <a:solidFill>
+                  <a:srgbClr val="333333"/>
+                </a:solidFill>
+                <a:effectLst/>
+                <a:latin typeface="Helvetica Neue"/>
+              </a:rPr>
+              <a:t>不是镜像本身</a:t>
+            </a:r>
+            <a:r>
+              <a:rPr lang="en-US" altLang="zh-CN" b="0" i="0" dirty="0">
+                <a:solidFill>
+                  <a:srgbClr val="333333"/>
+                </a:solidFill>
+                <a:effectLst/>
+                <a:latin typeface="Helvetica Neue"/>
+              </a:rPr>
+              <a:t>, </a:t>
+            </a:r>
+            <a:r>
+              <a:rPr lang="zh-CN" altLang="en-US" b="0" i="0" dirty="0">
+                <a:solidFill>
+                  <a:srgbClr val="333333"/>
+                </a:solidFill>
+                <a:effectLst/>
+                <a:latin typeface="Helvetica Neue"/>
+              </a:rPr>
+              <a:t>也就是说没有 </a:t>
+            </a:r>
+            <a:r>
+              <a:rPr lang="en-US" altLang="zh-CN" b="0" i="0" dirty="0">
+                <a:solidFill>
+                  <a:srgbClr val="333333"/>
+                </a:solidFill>
+                <a:effectLst/>
+                <a:latin typeface="Helvetica Neue"/>
+              </a:rPr>
+              <a:t>layer</a:t>
+            </a:r>
+            <a:r>
+              <a:rPr lang="zh-CN" altLang="en-US" b="0" i="0" dirty="0">
+                <a:solidFill>
+                  <a:srgbClr val="333333"/>
+                </a:solidFill>
+                <a:effectLst/>
+                <a:latin typeface="Helvetica Neue"/>
+              </a:rPr>
+              <a:t>。</a:t>
+            </a:r>
+            <a:r>
+              <a:rPr lang="en-US" altLang="zh-CN" b="0" i="0" dirty="0" err="1">
+                <a:solidFill>
+                  <a:srgbClr val="333333"/>
+                </a:solidFill>
+                <a:effectLst/>
+                <a:latin typeface="Helvetica Neue"/>
+              </a:rPr>
+              <a:t>dockerfile</a:t>
+            </a:r>
+            <a:r>
+              <a:rPr lang="en-US" altLang="zh-CN" b="0" i="0" dirty="0">
+                <a:solidFill>
+                  <a:srgbClr val="333333"/>
+                </a:solidFill>
+                <a:effectLst/>
+                <a:latin typeface="Helvetica Neue"/>
+              </a:rPr>
+              <a:t> </a:t>
+            </a:r>
+            <a:r>
+              <a:rPr lang="zh-CN" altLang="en-US" b="0" i="0" dirty="0">
+                <a:solidFill>
+                  <a:srgbClr val="333333"/>
+                </a:solidFill>
+                <a:effectLst/>
+                <a:latin typeface="Helvetica Neue"/>
+              </a:rPr>
+              <a:t>里的 </a:t>
+            </a:r>
+            <a:r>
+              <a:rPr lang="en-US" altLang="zh-CN" b="0" i="0" dirty="0" err="1">
+                <a:solidFill>
+                  <a:srgbClr val="333333"/>
+                </a:solidFill>
+                <a:effectLst/>
+                <a:latin typeface="Helvetica Neue"/>
+              </a:rPr>
+              <a:t>workdir</a:t>
+            </a:r>
+            <a:r>
+              <a:rPr lang="en-US" altLang="zh-CN" b="0" i="0" dirty="0">
+                <a:solidFill>
+                  <a:srgbClr val="333333"/>
+                </a:solidFill>
+                <a:effectLst/>
+                <a:latin typeface="Helvetica Neue"/>
+              </a:rPr>
+              <a:t>, </a:t>
+            </a:r>
+            <a:r>
+              <a:rPr lang="en-US" altLang="zh-CN" b="0" i="0" dirty="0" err="1">
+                <a:solidFill>
+                  <a:srgbClr val="333333"/>
+                </a:solidFill>
+                <a:effectLst/>
+                <a:latin typeface="Helvetica Neue"/>
+              </a:rPr>
+              <a:t>entrypoint</a:t>
+            </a:r>
+            <a:r>
+              <a:rPr lang="en-US" altLang="zh-CN" b="0" i="0" dirty="0">
+                <a:solidFill>
+                  <a:srgbClr val="333333"/>
+                </a:solidFill>
+                <a:effectLst/>
+                <a:latin typeface="Helvetica Neue"/>
+              </a:rPr>
+              <a:t> </a:t>
+            </a:r>
+            <a:r>
+              <a:rPr lang="zh-CN" altLang="en-US" b="0" i="0" dirty="0">
+                <a:solidFill>
+                  <a:srgbClr val="333333"/>
+                </a:solidFill>
+                <a:effectLst/>
+                <a:latin typeface="Helvetica Neue"/>
+              </a:rPr>
+              <a:t>之类的所有东西都会丢失，</a:t>
+            </a:r>
+            <a:r>
+              <a:rPr lang="en-US" altLang="zh-CN" b="0" i="0" dirty="0">
+                <a:solidFill>
+                  <a:srgbClr val="333333"/>
+                </a:solidFill>
+                <a:effectLst/>
+                <a:latin typeface="Helvetica Neue"/>
+              </a:rPr>
+              <a:t>commit </a:t>
+            </a:r>
+            <a:r>
+              <a:rPr lang="zh-CN" altLang="en-US" b="0" i="0" dirty="0">
+                <a:solidFill>
+                  <a:srgbClr val="333333"/>
+                </a:solidFill>
+                <a:effectLst/>
+                <a:latin typeface="Helvetica Neue"/>
+              </a:rPr>
+              <a:t>过的话也会丢失。快照文件将丢弃所有的历史记录和元数据信息（即仅保存容器当时的快照状态），而镜像存储文件将保存完整记录，体积也更大。</a:t>
+            </a:r>
+            <a:endParaRPr lang="en-US" altLang="zh-CN" b="0" i="0" dirty="0">
+              <a:solidFill>
+                <a:srgbClr val="333333"/>
+              </a:solidFill>
+              <a:effectLst/>
+              <a:latin typeface="Helvetica Neue"/>
             </a:endParaRPr>
           </a:p>
-        </p:txBody>
-      </p:sp>
-      <p:pic>
-        <p:nvPicPr>
-          <p:cNvPr id="2" name="图片 1">
-            <a:extLst>
-              <a:ext uri="{FF2B5EF4-FFF2-40B4-BE49-F238E27FC236}">
-                <a16:creationId xmlns:a16="http://schemas.microsoft.com/office/drawing/2014/main" id="{B6EFF6B0-C90B-4DBC-9A7E-9966148736D1}"/>
-              </a:ext>
-            </a:extLst>
-          </p:cNvPr>
-          <p:cNvPicPr>
-            <a:picLocks noChangeAspect="1"/>
-          </p:cNvPicPr>
+          <a:p>
+            <a:pPr marL="285750" indent="-285750" algn="l">
+              <a:buFont typeface="Wingdings" panose="05000000000000000000" pitchFamily="2" charset="2"/>
+              <a:buChar char="Ø"/>
+            </a:pPr>
+            <a:endParaRPr lang="en-US" altLang="zh-CN" b="0" i="0" dirty="0">
+              <a:solidFill>
+                <a:srgbClr val="333333"/>
+              </a:solidFill>
+              <a:effectLst/>
+              <a:latin typeface="Helvetica Neue"/>
+            </a:endParaRPr>
+          </a:p>
+          <a:p>
+            <a:pPr marL="285750" indent="-285750" algn="l">
+              <a:buFont typeface="Wingdings" panose="05000000000000000000" pitchFamily="2" charset="2"/>
+              <a:buChar char="Ø"/>
+            </a:pPr>
+            <a:r>
+              <a:rPr lang="en-US" altLang="zh-CN" b="0" i="0" dirty="0">
+                <a:solidFill>
+                  <a:srgbClr val="333333"/>
+                </a:solidFill>
+                <a:effectLst/>
+                <a:latin typeface="Helvetica Neue"/>
+              </a:rPr>
+              <a:t>docker save </a:t>
+            </a:r>
+            <a:r>
+              <a:rPr lang="zh-CN" altLang="en-US" b="0" i="0" dirty="0">
+                <a:solidFill>
+                  <a:srgbClr val="333333"/>
+                </a:solidFill>
+                <a:effectLst/>
+                <a:latin typeface="Helvetica Neue"/>
+              </a:rPr>
+              <a:t>保存的是镜像（</a:t>
+            </a:r>
+            <a:r>
+              <a:rPr lang="en-US" altLang="zh-CN" b="0" i="0" dirty="0">
+                <a:solidFill>
+                  <a:srgbClr val="333333"/>
+                </a:solidFill>
+                <a:effectLst/>
+                <a:latin typeface="Helvetica Neue"/>
+              </a:rPr>
+              <a:t>image</a:t>
+            </a:r>
+            <a:r>
+              <a:rPr lang="zh-CN" altLang="en-US" b="0" i="0" dirty="0">
+                <a:solidFill>
+                  <a:srgbClr val="333333"/>
+                </a:solidFill>
+                <a:effectLst/>
+                <a:latin typeface="Helvetica Neue"/>
+              </a:rPr>
+              <a:t>），</a:t>
+            </a:r>
+            <a:r>
+              <a:rPr lang="en-US" altLang="zh-CN" b="0" i="0" dirty="0">
+                <a:solidFill>
+                  <a:srgbClr val="333333"/>
+                </a:solidFill>
+                <a:effectLst/>
+                <a:latin typeface="Helvetica Neue"/>
+              </a:rPr>
+              <a:t>docker export </a:t>
+            </a:r>
+            <a:r>
+              <a:rPr lang="zh-CN" altLang="en-US" b="0" i="0" dirty="0">
+                <a:solidFill>
+                  <a:srgbClr val="333333"/>
+                </a:solidFill>
+                <a:effectLst/>
+                <a:latin typeface="Helvetica Neue"/>
+              </a:rPr>
+              <a:t>保存的是容器（</a:t>
+            </a:r>
+            <a:r>
+              <a:rPr lang="en-US" altLang="zh-CN" b="0" i="0" dirty="0">
+                <a:solidFill>
+                  <a:srgbClr val="333333"/>
+                </a:solidFill>
+                <a:effectLst/>
+                <a:latin typeface="Helvetica Neue"/>
+              </a:rPr>
+              <a:t>container</a:t>
+            </a:r>
+            <a:r>
+              <a:rPr lang="zh-CN" altLang="en-US" b="0" i="0" dirty="0">
+                <a:solidFill>
+                  <a:srgbClr val="333333"/>
+                </a:solidFill>
+                <a:effectLst/>
+                <a:latin typeface="Helvetica Neue"/>
+              </a:rPr>
+              <a:t>）</a:t>
+            </a:r>
+            <a:r>
+              <a:rPr lang="zh-CN" altLang="en-US" dirty="0">
+                <a:solidFill>
+                  <a:srgbClr val="333333"/>
+                </a:solidFill>
+                <a:latin typeface="Helvetica Neue"/>
+              </a:rPr>
+              <a:t>；</a:t>
+            </a:r>
+            <a:r>
+              <a:rPr lang="en-US" altLang="zh-CN" b="0" i="0" dirty="0">
+                <a:solidFill>
+                  <a:srgbClr val="333333"/>
+                </a:solidFill>
+                <a:effectLst/>
+                <a:latin typeface="Helvetica Neue"/>
+              </a:rPr>
+              <a:t>docker load </a:t>
+            </a:r>
+            <a:r>
+              <a:rPr lang="zh-CN" altLang="en-US" b="0" i="0" dirty="0">
+                <a:solidFill>
+                  <a:srgbClr val="333333"/>
+                </a:solidFill>
+                <a:effectLst/>
+                <a:latin typeface="Helvetica Neue"/>
+              </a:rPr>
+              <a:t>用来载入镜像包，</a:t>
+            </a:r>
+            <a:r>
+              <a:rPr lang="en-US" altLang="zh-CN" b="0" i="0" dirty="0">
+                <a:solidFill>
+                  <a:srgbClr val="333333"/>
+                </a:solidFill>
+                <a:effectLst/>
+                <a:latin typeface="Helvetica Neue"/>
+              </a:rPr>
+              <a:t>docker import </a:t>
+            </a:r>
+            <a:r>
+              <a:rPr lang="zh-CN" altLang="en-US" b="0" i="0" dirty="0">
+                <a:solidFill>
+                  <a:srgbClr val="333333"/>
+                </a:solidFill>
+                <a:effectLst/>
+                <a:latin typeface="Helvetica Neue"/>
+              </a:rPr>
+              <a:t>用来载入容器包，但两者都会恢复为镜像；</a:t>
+            </a:r>
+            <a:endParaRPr lang="en-US" altLang="zh-CN" b="0" i="0" dirty="0">
+              <a:solidFill>
+                <a:srgbClr val="333333"/>
+              </a:solidFill>
+              <a:effectLst/>
+              <a:latin typeface="Helvetica Neue"/>
+            </a:endParaRPr>
+          </a:p>
+          <a:p>
+            <a:pPr marL="285750" indent="-285750" algn="l">
+              <a:buFont typeface="Wingdings" panose="05000000000000000000" pitchFamily="2" charset="2"/>
+              <a:buChar char="Ø"/>
+            </a:pPr>
+            <a:endParaRPr lang="en-US" altLang="zh-CN" b="0" i="0" dirty="0">
+              <a:solidFill>
+                <a:srgbClr val="333333"/>
+              </a:solidFill>
+              <a:effectLst/>
+              <a:latin typeface="Helvetica Neue"/>
+            </a:endParaRPr>
+          </a:p>
+          <a:p>
+            <a:pPr marL="285750" indent="-285750" algn="l">
+              <a:buFont typeface="Wingdings" panose="05000000000000000000" pitchFamily="2" charset="2"/>
+              <a:buChar char="Ø"/>
+            </a:pPr>
+            <a:r>
+              <a:rPr lang="zh-CN" altLang="en-US" b="0" i="0" dirty="0">
+                <a:solidFill>
+                  <a:srgbClr val="333333"/>
+                </a:solidFill>
+                <a:effectLst/>
+                <a:latin typeface="Helvetica Neue"/>
+              </a:rPr>
+              <a:t> </a:t>
+            </a:r>
+            <a:r>
+              <a:rPr lang="en-US" altLang="zh-CN" b="0" i="0" dirty="0">
+                <a:solidFill>
+                  <a:srgbClr val="333333"/>
+                </a:solidFill>
+                <a:effectLst/>
+                <a:latin typeface="Helvetica Neue"/>
+              </a:rPr>
+              <a:t>docker load </a:t>
+            </a:r>
+            <a:r>
+              <a:rPr lang="zh-CN" altLang="en-US" b="0" i="0" dirty="0">
+                <a:solidFill>
+                  <a:srgbClr val="333333"/>
+                </a:solidFill>
+                <a:effectLst/>
+                <a:latin typeface="Helvetica Neue"/>
+              </a:rPr>
+              <a:t>不能对载入的镜像重命名，而 </a:t>
+            </a:r>
+            <a:r>
+              <a:rPr lang="en-US" altLang="zh-CN" b="0" i="0" dirty="0">
+                <a:solidFill>
+                  <a:srgbClr val="333333"/>
+                </a:solidFill>
+                <a:effectLst/>
+                <a:latin typeface="Helvetica Neue"/>
+              </a:rPr>
+              <a:t>docker import </a:t>
+            </a:r>
+            <a:r>
+              <a:rPr lang="zh-CN" altLang="en-US" b="0" i="0" dirty="0">
+                <a:solidFill>
+                  <a:srgbClr val="333333"/>
+                </a:solidFill>
+                <a:effectLst/>
+                <a:latin typeface="Helvetica Neue"/>
+              </a:rPr>
+              <a:t>可以为镜像指定新名称。</a:t>
+            </a:r>
+          </a:p>
+        </p:txBody>
+      </p:sp>
+      <p:sp>
+        <p:nvSpPr>
+          <p:cNvPr id="6" name="文本框 5">
+            <a:extLst>
+              <a:ext uri="{FF2B5EF4-FFF2-40B4-BE49-F238E27FC236}">
+                <a16:creationId xmlns:a16="http://schemas.microsoft.com/office/drawing/2014/main" id="{A65A0CAC-66A3-448A-A393-786A5B2A59AB}"/>
+              </a:ext>
+            </a:extLst>
+          </p:cNvPr>
+          <p:cNvSpPr txBox="1"/>
           <p:nvPr/>
-        </p:nvPicPr>
-        <p:blipFill>
-          <a:blip r:embed="rId3"/>
-          <a:stretch>
-            <a:fillRect/>
-          </a:stretch>
-        </p:blipFill>
+        </p:nvSpPr>
         <p:spPr>
           <a:xfrm>
-            <a:off x="0" y="757803"/>
-            <a:ext cx="12192000" cy="5342394"/>
-          </a:xfrm>
-          <a:prstGeom prst="rect">
-            <a:avLst/>
-          </a:prstGeom>
-        </p:spPr>
-      </p:pic>
-      <p:sp>
-        <p:nvSpPr>
-          <p:cNvPr id="3" name="文本框 2">
-            <a:extLst>
-              <a:ext uri="{FF2B5EF4-FFF2-40B4-BE49-F238E27FC236}">
-                <a16:creationId xmlns:a16="http://schemas.microsoft.com/office/drawing/2014/main" id="{3BA21E5A-2AAE-479E-8367-AC9FED1F42E6}"/>
-              </a:ext>
-            </a:extLst>
-          </p:cNvPr>
-          <p:cNvSpPr txBox="1"/>
-          <p:nvPr/>
-        </p:nvSpPr>
-        <p:spPr>
-          <a:xfrm>
-            <a:off x="1666240" y="6289039"/>
-            <a:ext cx="8757920" cy="369332"/>
+            <a:off x="92363" y="120073"/>
+            <a:ext cx="5754255" cy="584775"/>
           </a:xfrm>
           <a:prstGeom prst="rect">
             <a:avLst/>
@@ -6486,23 +6603,19 @@
           <a:lstStyle/>
           <a:p>
             <a:r>
-              <a:rPr lang="en-US" altLang="zh-CN" dirty="0"/>
-              <a:t> </a:t>
-            </a:r>
-            <a:r>
-              <a:rPr lang="en-US" altLang="zh-CN" dirty="0">
-                <a:hlinkClick r:id="rId4"/>
-              </a:rPr>
-              <a:t>https://www.cnblogs.com/timaic/p/10237487.html</a:t>
-            </a:r>
-            <a:endParaRPr lang="zh-CN" altLang="en-US" dirty="0"/>
+              <a:rPr lang="zh-CN" altLang="en-US" sz="3200" dirty="0">
+                <a:latin typeface="微软雅黑" panose="020B0503020204020204" pitchFamily="34" charset="-122"/>
+                <a:ea typeface="微软雅黑" panose="020B0503020204020204" pitchFamily="34" charset="-122"/>
+              </a:rPr>
+              <a:t>容器导入导出与镜像保存装载</a:t>
+            </a:r>
           </a:p>
         </p:txBody>
       </p:sp>
     </p:spTree>
     <p:extLst>
       <p:ext uri="{BB962C8B-B14F-4D97-AF65-F5344CB8AC3E}">
-        <p14:creationId xmlns:p14="http://schemas.microsoft.com/office/powerpoint/2010/main" val="1518721994"/>
+        <p14:creationId xmlns:p14="http://schemas.microsoft.com/office/powerpoint/2010/main" val="484527305"/>
       </p:ext>
     </p:extLst>
   </p:cSld>
@@ -6531,6 +6644,528 @@
       </p:grpSpPr>
       <p:sp>
         <p:nvSpPr>
+          <p:cNvPr id="6" name="文本框 5">
+            <a:extLst>
+              <a:ext uri="{FF2B5EF4-FFF2-40B4-BE49-F238E27FC236}">
+                <a16:creationId xmlns:a16="http://schemas.microsoft.com/office/drawing/2014/main" id="{A65A0CAC-66A3-448A-A393-786A5B2A59AB}"/>
+              </a:ext>
+            </a:extLst>
+          </p:cNvPr>
+          <p:cNvSpPr txBox="1"/>
+          <p:nvPr/>
+        </p:nvSpPr>
+        <p:spPr>
+          <a:xfrm>
+            <a:off x="92363" y="120073"/>
+            <a:ext cx="6755477" cy="584775"/>
+          </a:xfrm>
+          <a:prstGeom prst="rect">
+            <a:avLst/>
+          </a:prstGeom>
+          <a:noFill/>
+        </p:spPr>
+        <p:txBody>
+          <a:bodyPr wrap="square" rtlCol="0">
+            <a:spAutoFit/>
+          </a:bodyPr>
+          <a:lstStyle/>
+          <a:p>
+            <a:r>
+              <a:rPr lang="zh-CN" altLang="en-US" sz="3200" dirty="0">
+                <a:latin typeface="微软雅黑" panose="020B0503020204020204" pitchFamily="34" charset="-122"/>
+                <a:ea typeface="微软雅黑" panose="020B0503020204020204" pitchFamily="34" charset="-122"/>
+              </a:rPr>
+              <a:t>本地镜像上传下载</a:t>
+            </a:r>
+            <a:r>
+              <a:rPr lang="en-US" altLang="zh-CN" sz="3200" dirty="0">
+                <a:latin typeface="微软雅黑" panose="020B0503020204020204" pitchFamily="34" charset="-122"/>
+                <a:ea typeface="微软雅黑" panose="020B0503020204020204" pitchFamily="34" charset="-122"/>
+              </a:rPr>
+              <a:t>(</a:t>
+            </a:r>
+            <a:r>
+              <a:rPr lang="zh-CN" altLang="en-US" sz="3200" dirty="0">
+                <a:latin typeface="微软雅黑" panose="020B0503020204020204" pitchFamily="34" charset="-122"/>
+                <a:ea typeface="微软雅黑" panose="020B0503020204020204" pitchFamily="34" charset="-122"/>
+              </a:rPr>
+              <a:t>以腾讯云为例</a:t>
+            </a:r>
+            <a:r>
+              <a:rPr lang="en-US" altLang="zh-CN" sz="3200" dirty="0">
+                <a:latin typeface="微软雅黑" panose="020B0503020204020204" pitchFamily="34" charset="-122"/>
+                <a:ea typeface="微软雅黑" panose="020B0503020204020204" pitchFamily="34" charset="-122"/>
+              </a:rPr>
+              <a:t>)</a:t>
+            </a:r>
+            <a:endParaRPr lang="zh-CN" altLang="en-US" sz="3200" dirty="0">
+              <a:latin typeface="微软雅黑" panose="020B0503020204020204" pitchFamily="34" charset="-122"/>
+              <a:ea typeface="微软雅黑" panose="020B0503020204020204" pitchFamily="34" charset="-122"/>
+            </a:endParaRPr>
+          </a:p>
+        </p:txBody>
+      </p:sp>
+      <p:pic>
+        <p:nvPicPr>
+          <p:cNvPr id="2" name="图片 1">
+            <a:extLst>
+              <a:ext uri="{FF2B5EF4-FFF2-40B4-BE49-F238E27FC236}">
+                <a16:creationId xmlns:a16="http://schemas.microsoft.com/office/drawing/2014/main" id="{B6EFF6B0-C90B-4DBC-9A7E-9966148736D1}"/>
+              </a:ext>
+            </a:extLst>
+          </p:cNvPr>
+          <p:cNvPicPr>
+            <a:picLocks noChangeAspect="1"/>
+          </p:cNvPicPr>
+          <p:nvPr/>
+        </p:nvPicPr>
+        <p:blipFill>
+          <a:blip r:embed="rId3"/>
+          <a:stretch>
+            <a:fillRect/>
+          </a:stretch>
+        </p:blipFill>
+        <p:spPr>
+          <a:xfrm>
+            <a:off x="0" y="757803"/>
+            <a:ext cx="12192000" cy="5342394"/>
+          </a:xfrm>
+          <a:prstGeom prst="rect">
+            <a:avLst/>
+          </a:prstGeom>
+        </p:spPr>
+      </p:pic>
+      <p:sp>
+        <p:nvSpPr>
+          <p:cNvPr id="3" name="文本框 2">
+            <a:extLst>
+              <a:ext uri="{FF2B5EF4-FFF2-40B4-BE49-F238E27FC236}">
+                <a16:creationId xmlns:a16="http://schemas.microsoft.com/office/drawing/2014/main" id="{3BA21E5A-2AAE-479E-8367-AC9FED1F42E6}"/>
+              </a:ext>
+            </a:extLst>
+          </p:cNvPr>
+          <p:cNvSpPr txBox="1"/>
+          <p:nvPr/>
+        </p:nvSpPr>
+        <p:spPr>
+          <a:xfrm>
+            <a:off x="1666240" y="6289039"/>
+            <a:ext cx="8757920" cy="369332"/>
+          </a:xfrm>
+          <a:prstGeom prst="rect">
+            <a:avLst/>
+          </a:prstGeom>
+          <a:noFill/>
+        </p:spPr>
+        <p:txBody>
+          <a:bodyPr wrap="square" rtlCol="0">
+            <a:spAutoFit/>
+          </a:bodyPr>
+          <a:lstStyle/>
+          <a:p>
+            <a:r>
+              <a:rPr lang="en-US" altLang="zh-CN" dirty="0"/>
+              <a:t> </a:t>
+            </a:r>
+            <a:r>
+              <a:rPr lang="en-US" altLang="zh-CN" dirty="0">
+                <a:hlinkClick r:id="rId4"/>
+              </a:rPr>
+              <a:t>https://www.cnblogs.com/timaic/p/10237487.html</a:t>
+            </a:r>
+            <a:endParaRPr lang="zh-CN" altLang="en-US" dirty="0"/>
+          </a:p>
+        </p:txBody>
+      </p:sp>
+    </p:spTree>
+    <p:extLst>
+      <p:ext uri="{BB962C8B-B14F-4D97-AF65-F5344CB8AC3E}">
+        <p14:creationId xmlns:p14="http://schemas.microsoft.com/office/powerpoint/2010/main" val="1518721994"/>
+      </p:ext>
+    </p:extLst>
+  </p:cSld>
+  <p:clrMapOvr>
+    <a:masterClrMapping/>
+  </p:clrMapOvr>
+</p:sld>
+</file>
+
+<file path=ppt/slides/slide18.xml><?xml version="1.0" encoding="utf-8"?>
+<p:sld xmlns:a="http://schemas.openxmlformats.org/drawingml/2006/main" xmlns:r="http://schemas.openxmlformats.org/officeDocument/2006/relationships" xmlns:p="http://schemas.openxmlformats.org/presentationml/2006/main">
+  <p:cSld>
+    <p:spTree>
+      <p:nvGrpSpPr>
+        <p:cNvPr id="1" name=""/>
+        <p:cNvGrpSpPr/>
+        <p:nvPr/>
+      </p:nvGrpSpPr>
+      <p:grpSpPr>
+        <a:xfrm>
+          <a:off x="0" y="0"/>
+          <a:ext cx="0" cy="0"/>
+          <a:chOff x="0" y="0"/>
+          <a:chExt cx="0" cy="0"/>
+        </a:xfrm>
+      </p:grpSpPr>
+      <p:sp>
+        <p:nvSpPr>
+          <p:cNvPr id="4" name="文本框 3">
+            <a:extLst>
+              <a:ext uri="{FF2B5EF4-FFF2-40B4-BE49-F238E27FC236}">
+                <a16:creationId xmlns:a16="http://schemas.microsoft.com/office/drawing/2014/main" id="{F11227A3-4336-42A3-8B8F-A44CFA6F7567}"/>
+              </a:ext>
+            </a:extLst>
+          </p:cNvPr>
+          <p:cNvSpPr txBox="1"/>
+          <p:nvPr/>
+        </p:nvSpPr>
+        <p:spPr>
+          <a:xfrm>
+            <a:off x="92363" y="120073"/>
+            <a:ext cx="5754255" cy="584775"/>
+          </a:xfrm>
+          <a:prstGeom prst="rect">
+            <a:avLst/>
+          </a:prstGeom>
+          <a:noFill/>
+        </p:spPr>
+        <p:txBody>
+          <a:bodyPr wrap="square" rtlCol="0">
+            <a:spAutoFit/>
+          </a:bodyPr>
+          <a:lstStyle/>
+          <a:p>
+            <a:r>
+              <a:rPr lang="en-US" altLang="zh-CN" sz="3200" dirty="0">
+                <a:latin typeface="微软雅黑" panose="020B0503020204020204" pitchFamily="34" charset="-122"/>
+                <a:ea typeface="微软雅黑" panose="020B0503020204020204" pitchFamily="34" charset="-122"/>
+              </a:rPr>
+              <a:t>docker-</a:t>
+            </a:r>
+            <a:r>
+              <a:rPr lang="en-US" altLang="zh-CN" sz="3200" dirty="0" err="1">
+                <a:latin typeface="微软雅黑" panose="020B0503020204020204" pitchFamily="34" charset="-122"/>
+                <a:ea typeface="微软雅黑" panose="020B0503020204020204" pitchFamily="34" charset="-122"/>
+              </a:rPr>
+              <a:t>compose.yml</a:t>
+            </a:r>
+            <a:endParaRPr lang="zh-CN" altLang="en-US" sz="3200" dirty="0">
+              <a:latin typeface="微软雅黑" panose="020B0503020204020204" pitchFamily="34" charset="-122"/>
+              <a:ea typeface="微软雅黑" panose="020B0503020204020204" pitchFamily="34" charset="-122"/>
+            </a:endParaRPr>
+          </a:p>
+        </p:txBody>
+      </p:sp>
+      <p:sp>
+        <p:nvSpPr>
+          <p:cNvPr id="5" name="文本框 4">
+            <a:extLst>
+              <a:ext uri="{FF2B5EF4-FFF2-40B4-BE49-F238E27FC236}">
+                <a16:creationId xmlns:a16="http://schemas.microsoft.com/office/drawing/2014/main" id="{0793DE85-3AC5-4226-B342-36E11C15B28A}"/>
+              </a:ext>
+            </a:extLst>
+          </p:cNvPr>
+          <p:cNvSpPr txBox="1"/>
+          <p:nvPr/>
+        </p:nvSpPr>
+        <p:spPr>
+          <a:xfrm>
+            <a:off x="2198254" y="1376218"/>
+            <a:ext cx="8811492" cy="369332"/>
+          </a:xfrm>
+          <a:prstGeom prst="rect">
+            <a:avLst/>
+          </a:prstGeom>
+          <a:noFill/>
+        </p:spPr>
+        <p:txBody>
+          <a:bodyPr wrap="square" rtlCol="0">
+            <a:spAutoFit/>
+          </a:bodyPr>
+          <a:lstStyle/>
+          <a:p>
+            <a:pPr marL="285750" indent="-285750">
+              <a:buFont typeface="Wingdings" panose="05000000000000000000" pitchFamily="2" charset="2"/>
+              <a:buChar char="u"/>
+            </a:pPr>
+            <a:endParaRPr lang="en-US" altLang="zh-CN" dirty="0"/>
+          </a:p>
+        </p:txBody>
+      </p:sp>
+      <p:sp>
+        <p:nvSpPr>
+          <p:cNvPr id="3" name="矩形 2">
+            <a:extLst>
+              <a:ext uri="{FF2B5EF4-FFF2-40B4-BE49-F238E27FC236}">
+                <a16:creationId xmlns:a16="http://schemas.microsoft.com/office/drawing/2014/main" id="{E4FB532A-A213-46EC-8D33-8901E714E59D}"/>
+              </a:ext>
+            </a:extLst>
+          </p:cNvPr>
+          <p:cNvSpPr/>
+          <p:nvPr/>
+        </p:nvSpPr>
+        <p:spPr>
+          <a:xfrm>
+            <a:off x="3048000" y="1443841"/>
+            <a:ext cx="6096000" cy="4524315"/>
+          </a:xfrm>
+          <a:prstGeom prst="rect">
+            <a:avLst/>
+          </a:prstGeom>
+        </p:spPr>
+        <p:txBody>
+          <a:bodyPr>
+            <a:spAutoFit/>
+          </a:bodyPr>
+          <a:lstStyle/>
+          <a:p>
+            <a:r>
+              <a:rPr lang="en-US" altLang="zh-CN" dirty="0"/>
+              <a:t>version: "3"</a:t>
+            </a:r>
+          </a:p>
+          <a:p>
+            <a:r>
+              <a:rPr lang="en-US" altLang="zh-CN" dirty="0"/>
+              <a:t>services:</a:t>
+            </a:r>
+          </a:p>
+          <a:p>
+            <a:r>
+              <a:rPr lang="en-US" altLang="zh-CN" dirty="0"/>
+              <a:t>  </a:t>
+            </a:r>
+            <a:r>
+              <a:rPr lang="en-US" altLang="zh-CN" dirty="0" err="1"/>
+              <a:t>apicore_comp</a:t>
+            </a:r>
+            <a:r>
+              <a:rPr lang="en-US" altLang="zh-CN" dirty="0"/>
+              <a:t>:</a:t>
+            </a:r>
+          </a:p>
+          <a:p>
+            <a:r>
+              <a:rPr lang="en-US" altLang="zh-CN" dirty="0"/>
+              <a:t>    environment:</a:t>
+            </a:r>
+          </a:p>
+          <a:p>
+            <a:r>
+              <a:rPr lang="en-US" altLang="zh-CN" dirty="0"/>
+              <a:t>     - TZ=Asia/Shanghai</a:t>
+            </a:r>
+          </a:p>
+          <a:p>
+            <a:r>
+              <a:rPr lang="en-US" altLang="zh-CN" dirty="0"/>
+              <a:t>    </a:t>
+            </a:r>
+            <a:r>
+              <a:rPr lang="en-US" altLang="zh-CN" dirty="0" err="1"/>
+              <a:t>container_name</a:t>
+            </a:r>
+            <a:r>
+              <a:rPr lang="en-US" altLang="zh-CN" dirty="0"/>
+              <a:t>: </a:t>
+            </a:r>
+            <a:r>
+              <a:rPr lang="en-US" altLang="zh-CN" dirty="0" err="1"/>
+              <a:t>apicore_comp</a:t>
+            </a:r>
+            <a:endParaRPr lang="en-US" altLang="zh-CN" dirty="0"/>
+          </a:p>
+          <a:p>
+            <a:r>
+              <a:rPr lang="en-US" altLang="zh-CN" dirty="0"/>
+              <a:t>    build: ./</a:t>
+            </a:r>
+            <a:r>
+              <a:rPr lang="en-US" altLang="zh-CN" dirty="0" err="1"/>
+              <a:t>ReportApi_Core</a:t>
+            </a:r>
+            <a:endParaRPr lang="en-US" altLang="zh-CN" dirty="0"/>
+          </a:p>
+          <a:p>
+            <a:r>
+              <a:rPr lang="en-US" altLang="zh-CN" dirty="0"/>
+              <a:t>    ports: </a:t>
+            </a:r>
+          </a:p>
+          <a:p>
+            <a:r>
+              <a:rPr lang="en-US" altLang="zh-CN" dirty="0"/>
+              <a:t>     - "9016:80"</a:t>
+            </a:r>
+          </a:p>
+          <a:p>
+            <a:r>
+              <a:rPr lang="en-US" altLang="zh-CN" dirty="0"/>
+              <a:t>  </a:t>
+            </a:r>
+            <a:r>
+              <a:rPr lang="en-US" altLang="zh-CN" dirty="0" err="1"/>
+              <a:t>webcore_comp</a:t>
+            </a:r>
+            <a:r>
+              <a:rPr lang="en-US" altLang="zh-CN" dirty="0"/>
+              <a:t>:</a:t>
+            </a:r>
+          </a:p>
+          <a:p>
+            <a:r>
+              <a:rPr lang="en-US" altLang="zh-CN" dirty="0"/>
+              <a:t>    environment:</a:t>
+            </a:r>
+          </a:p>
+          <a:p>
+            <a:r>
+              <a:rPr lang="en-US" altLang="zh-CN" dirty="0"/>
+              <a:t>     - TZ=Asia/Shanghai</a:t>
+            </a:r>
+          </a:p>
+          <a:p>
+            <a:r>
+              <a:rPr lang="en-US" altLang="zh-CN" dirty="0"/>
+              <a:t>    </a:t>
+            </a:r>
+            <a:r>
+              <a:rPr lang="en-US" altLang="zh-CN" dirty="0" err="1"/>
+              <a:t>container_name</a:t>
+            </a:r>
+            <a:r>
+              <a:rPr lang="en-US" altLang="zh-CN" dirty="0"/>
+              <a:t>: </a:t>
+            </a:r>
+            <a:r>
+              <a:rPr lang="en-US" altLang="zh-CN" dirty="0" err="1"/>
+              <a:t>webcore_comp</a:t>
+            </a:r>
+            <a:endParaRPr lang="en-US" altLang="zh-CN" dirty="0"/>
+          </a:p>
+          <a:p>
+            <a:r>
+              <a:rPr lang="en-US" altLang="zh-CN" dirty="0"/>
+              <a:t>    build: ./</a:t>
+            </a:r>
+            <a:r>
+              <a:rPr lang="en-US" altLang="zh-CN" dirty="0" err="1"/>
+              <a:t>WebCore</a:t>
+            </a:r>
+            <a:endParaRPr lang="en-US" altLang="zh-CN" dirty="0"/>
+          </a:p>
+          <a:p>
+            <a:r>
+              <a:rPr lang="en-US" altLang="zh-CN" dirty="0"/>
+              <a:t>    ports:</a:t>
+            </a:r>
+          </a:p>
+          <a:p>
+            <a:r>
+              <a:rPr lang="en-US" altLang="zh-CN" dirty="0"/>
+              <a:t>     - "9017:80"</a:t>
+            </a:r>
+            <a:endParaRPr lang="zh-CN" altLang="en-US" dirty="0"/>
+          </a:p>
+        </p:txBody>
+      </p:sp>
+      <p:sp>
+        <p:nvSpPr>
+          <p:cNvPr id="7" name="文本框 6">
+            <a:extLst>
+              <a:ext uri="{FF2B5EF4-FFF2-40B4-BE49-F238E27FC236}">
+                <a16:creationId xmlns:a16="http://schemas.microsoft.com/office/drawing/2014/main" id="{BF6E50EE-3779-409A-99B4-1FFBA49E99B4}"/>
+              </a:ext>
+            </a:extLst>
+          </p:cNvPr>
+          <p:cNvSpPr txBox="1"/>
+          <p:nvPr/>
+        </p:nvSpPr>
+        <p:spPr>
+          <a:xfrm flipH="1">
+            <a:off x="3291840" y="6091596"/>
+            <a:ext cx="8199120" cy="646331"/>
+          </a:xfrm>
+          <a:prstGeom prst="rect">
+            <a:avLst/>
+          </a:prstGeom>
+          <a:noFill/>
+        </p:spPr>
+        <p:txBody>
+          <a:bodyPr wrap="square" rtlCol="0">
+            <a:spAutoFit/>
+          </a:bodyPr>
+          <a:lstStyle/>
+          <a:p>
+            <a:r>
+              <a:rPr lang="en-US" altLang="zh-CN" dirty="0">
+                <a:hlinkClick r:id="rId2"/>
+              </a:rPr>
+              <a:t>Service name</a:t>
+            </a:r>
+            <a:r>
+              <a:rPr lang="zh-CN" altLang="en-US" dirty="0">
+                <a:hlinkClick r:id="rId2"/>
+              </a:rPr>
+              <a:t>和</a:t>
+            </a:r>
+            <a:r>
+              <a:rPr lang="en-US" altLang="zh-CN" dirty="0">
+                <a:hlinkClick r:id="rId2"/>
+              </a:rPr>
+              <a:t>Container Name</a:t>
+            </a:r>
+            <a:r>
+              <a:rPr lang="zh-CN" altLang="en-US" dirty="0">
+                <a:hlinkClick r:id="rId2"/>
+              </a:rPr>
+              <a:t>关系</a:t>
+            </a:r>
+            <a:endParaRPr lang="en-US" altLang="zh-CN" dirty="0"/>
+          </a:p>
+          <a:p>
+            <a:r>
+              <a:rPr lang="zh-CN" altLang="en-US" dirty="0">
+                <a:hlinkClick r:id="rId3"/>
+              </a:rPr>
+              <a:t>常用命令</a:t>
+            </a:r>
+            <a:endParaRPr lang="zh-CN" altLang="en-US" dirty="0"/>
+          </a:p>
+        </p:txBody>
+      </p:sp>
+    </p:spTree>
+    <p:extLst>
+      <p:ext uri="{BB962C8B-B14F-4D97-AF65-F5344CB8AC3E}">
+        <p14:creationId xmlns:p14="http://schemas.microsoft.com/office/powerpoint/2010/main" val="2017277101"/>
+      </p:ext>
+    </p:extLst>
+  </p:cSld>
+  <p:clrMapOvr>
+    <a:masterClrMapping/>
+  </p:clrMapOvr>
+</p:sld>
+</file>
+
+<file path=ppt/slides/slide19.xml><?xml version="1.0" encoding="utf-8"?>
+<p:sld xmlns:a="http://schemas.openxmlformats.org/drawingml/2006/main" xmlns:r="http://schemas.openxmlformats.org/officeDocument/2006/relationships" xmlns:p="http://schemas.openxmlformats.org/presentationml/2006/main">
+  <p:cSld>
+    <p:spTree>
+      <p:nvGrpSpPr>
+        <p:cNvPr id="1" name=""/>
+        <p:cNvGrpSpPr/>
+        <p:nvPr/>
+      </p:nvGrpSpPr>
+      <p:grpSpPr>
+        <a:xfrm>
+          <a:off x="0" y="0"/>
+          <a:ext cx="0" cy="0"/>
+          <a:chOff x="0" y="0"/>
+          <a:chExt cx="0" cy="0"/>
+        </a:xfrm>
+      </p:grpSpPr>
+      <p:sp>
+        <p:nvSpPr>
           <p:cNvPr id="4" name="文本框 3">
             <a:extLst>
               <a:ext uri="{FF2B5EF4-FFF2-40B4-BE49-F238E27FC236}">
@@ -6734,7 +7369,106 @@
 </p:sld>
 </file>
 
-<file path=ppt/slides/slide18.xml><?xml version="1.0" encoding="utf-8"?>
+<file path=ppt/slides/slide2.xml><?xml version="1.0" encoding="utf-8"?>
+<p:sld xmlns:a="http://schemas.openxmlformats.org/drawingml/2006/main" xmlns:r="http://schemas.openxmlformats.org/officeDocument/2006/relationships" xmlns:p="http://schemas.openxmlformats.org/presentationml/2006/main">
+  <p:cSld>
+    <p:spTree>
+      <p:nvGrpSpPr>
+        <p:cNvPr id="1" name=""/>
+        <p:cNvGrpSpPr/>
+        <p:nvPr/>
+      </p:nvGrpSpPr>
+      <p:grpSpPr>
+        <a:xfrm>
+          <a:off x="0" y="0"/>
+          <a:ext cx="0" cy="0"/>
+          <a:chOff x="0" y="0"/>
+          <a:chExt cx="0" cy="0"/>
+        </a:xfrm>
+      </p:grpSpPr>
+      <p:pic>
+        <p:nvPicPr>
+          <p:cNvPr id="9" name="图片 8">
+            <a:extLst>
+              <a:ext uri="{FF2B5EF4-FFF2-40B4-BE49-F238E27FC236}">
+                <a16:creationId xmlns:a16="http://schemas.microsoft.com/office/drawing/2014/main" id="{502D7CEF-64D8-4725-90B1-7196D8AFFC29}"/>
+              </a:ext>
+            </a:extLst>
+          </p:cNvPr>
+          <p:cNvPicPr>
+            <a:picLocks noChangeAspect="1"/>
+          </p:cNvPicPr>
+          <p:nvPr/>
+        </p:nvPicPr>
+        <p:blipFill>
+          <a:blip r:embed="rId2"/>
+          <a:stretch>
+            <a:fillRect/>
+          </a:stretch>
+        </p:blipFill>
+        <p:spPr>
+          <a:xfrm>
+            <a:off x="2395537" y="1657350"/>
+            <a:ext cx="7400925" cy="3543300"/>
+          </a:xfrm>
+          <a:prstGeom prst="rect">
+            <a:avLst/>
+          </a:prstGeom>
+        </p:spPr>
+      </p:pic>
+      <p:sp>
+        <p:nvSpPr>
+          <p:cNvPr id="13" name="文本框 12">
+            <a:extLst>
+              <a:ext uri="{FF2B5EF4-FFF2-40B4-BE49-F238E27FC236}">
+                <a16:creationId xmlns:a16="http://schemas.microsoft.com/office/drawing/2014/main" id="{9F2FA4B0-7329-4A81-8327-8EA62B7922D5}"/>
+              </a:ext>
+            </a:extLst>
+          </p:cNvPr>
+          <p:cNvSpPr txBox="1"/>
+          <p:nvPr/>
+        </p:nvSpPr>
+        <p:spPr>
+          <a:xfrm>
+            <a:off x="4618182" y="5703516"/>
+            <a:ext cx="6096000" cy="369332"/>
+          </a:xfrm>
+          <a:prstGeom prst="rect">
+            <a:avLst/>
+          </a:prstGeom>
+          <a:noFill/>
+        </p:spPr>
+        <p:txBody>
+          <a:bodyPr wrap="square">
+            <a:spAutoFit/>
+          </a:bodyPr>
+          <a:lstStyle/>
+          <a:p>
+            <a:r>
+              <a:rPr lang="en-US" altLang="zh-CN" dirty="0"/>
+              <a:t>Docker </a:t>
+            </a:r>
+            <a:r>
+              <a:rPr lang="zh-CN" altLang="en-US" dirty="0"/>
+              <a:t>是一个开源的应用容器引擎</a:t>
+            </a:r>
+          </a:p>
+        </p:txBody>
+      </p:sp>
+    </p:spTree>
+    <p:extLst>
+      <p:ext uri="{BB962C8B-B14F-4D97-AF65-F5344CB8AC3E}">
+        <p14:creationId xmlns:p14="http://schemas.microsoft.com/office/powerpoint/2010/main" val="831249762"/>
+      </p:ext>
+    </p:extLst>
+  </p:cSld>
+  <p:clrMapOvr>
+    <a:masterClrMapping/>
+  </p:clrMapOvr>
+</p:sld>
+</file>
+
+<file path=ppt/slides/slide20.xml><?xml version="1.0" encoding="utf-8"?>
 <p:sld xmlns:a="http://schemas.openxmlformats.org/drawingml/2006/main" xmlns:r="http://schemas.openxmlformats.org/officeDocument/2006/relationships" xmlns:p="http://schemas.openxmlformats.org/presentationml/2006/main">
   <p:cSld>
     <p:spTree>
@@ -7113,7 +7847,7 @@
 </p:sld>
 </file>
 
-<file path=ppt/slides/slide19.xml><?xml version="1.0" encoding="utf-8"?>
+<file path=ppt/slides/slide21.xml><?xml version="1.0" encoding="utf-8"?>
 <p:sld xmlns:a="http://schemas.openxmlformats.org/drawingml/2006/main" xmlns:r="http://schemas.openxmlformats.org/officeDocument/2006/relationships" xmlns:p="http://schemas.openxmlformats.org/presentationml/2006/main">
   <p:cSld>
     <p:spTree>
@@ -7473,106 +8207,7 @@
 </p:sld>
 </file>
 
-<file path=ppt/slides/slide2.xml><?xml version="1.0" encoding="utf-8"?>
-<p:sld xmlns:a="http://schemas.openxmlformats.org/drawingml/2006/main" xmlns:r="http://schemas.openxmlformats.org/officeDocument/2006/relationships" xmlns:p="http://schemas.openxmlformats.org/presentationml/2006/main">
-  <p:cSld>
-    <p:spTree>
-      <p:nvGrpSpPr>
-        <p:cNvPr id="1" name=""/>
-        <p:cNvGrpSpPr/>
-        <p:nvPr/>
-      </p:nvGrpSpPr>
-      <p:grpSpPr>
-        <a:xfrm>
-          <a:off x="0" y="0"/>
-          <a:ext cx="0" cy="0"/>
-          <a:chOff x="0" y="0"/>
-          <a:chExt cx="0" cy="0"/>
-        </a:xfrm>
-      </p:grpSpPr>
-      <p:pic>
-        <p:nvPicPr>
-          <p:cNvPr id="9" name="图片 8">
-            <a:extLst>
-              <a:ext uri="{FF2B5EF4-FFF2-40B4-BE49-F238E27FC236}">
-                <a16:creationId xmlns:a16="http://schemas.microsoft.com/office/drawing/2014/main" id="{502D7CEF-64D8-4725-90B1-7196D8AFFC29}"/>
-              </a:ext>
-            </a:extLst>
-          </p:cNvPr>
-          <p:cNvPicPr>
-            <a:picLocks noChangeAspect="1"/>
-          </p:cNvPicPr>
-          <p:nvPr/>
-        </p:nvPicPr>
-        <p:blipFill>
-          <a:blip r:embed="rId2"/>
-          <a:stretch>
-            <a:fillRect/>
-          </a:stretch>
-        </p:blipFill>
-        <p:spPr>
-          <a:xfrm>
-            <a:off x="2395537" y="1657350"/>
-            <a:ext cx="7400925" cy="3543300"/>
-          </a:xfrm>
-          <a:prstGeom prst="rect">
-            <a:avLst/>
-          </a:prstGeom>
-        </p:spPr>
-      </p:pic>
-      <p:sp>
-        <p:nvSpPr>
-          <p:cNvPr id="13" name="文本框 12">
-            <a:extLst>
-              <a:ext uri="{FF2B5EF4-FFF2-40B4-BE49-F238E27FC236}">
-                <a16:creationId xmlns:a16="http://schemas.microsoft.com/office/drawing/2014/main" id="{9F2FA4B0-7329-4A81-8327-8EA62B7922D5}"/>
-              </a:ext>
-            </a:extLst>
-          </p:cNvPr>
-          <p:cNvSpPr txBox="1"/>
-          <p:nvPr/>
-        </p:nvSpPr>
-        <p:spPr>
-          <a:xfrm>
-            <a:off x="4618182" y="5703516"/>
-            <a:ext cx="6096000" cy="369332"/>
-          </a:xfrm>
-          <a:prstGeom prst="rect">
-            <a:avLst/>
-          </a:prstGeom>
-          <a:noFill/>
-        </p:spPr>
-        <p:txBody>
-          <a:bodyPr wrap="square">
-            <a:spAutoFit/>
-          </a:bodyPr>
-          <a:lstStyle/>
-          <a:p>
-            <a:r>
-              <a:rPr lang="en-US" altLang="zh-CN" dirty="0"/>
-              <a:t>Docker </a:t>
-            </a:r>
-            <a:r>
-              <a:rPr lang="zh-CN" altLang="en-US" dirty="0"/>
-              <a:t>是一个开源的应用容器引擎</a:t>
-            </a:r>
-          </a:p>
-        </p:txBody>
-      </p:sp>
-    </p:spTree>
-    <p:extLst>
-      <p:ext uri="{BB962C8B-B14F-4D97-AF65-F5344CB8AC3E}">
-        <p14:creationId xmlns:p14="http://schemas.microsoft.com/office/powerpoint/2010/main" val="831249762"/>
-      </p:ext>
-    </p:extLst>
-  </p:cSld>
-  <p:clrMapOvr>
-    <a:masterClrMapping/>
-  </p:clrMapOvr>
-</p:sld>
-</file>
-
-<file path=ppt/slides/slide20.xml><?xml version="1.0" encoding="utf-8"?>
+<file path=ppt/slides/slide22.xml><?xml version="1.0" encoding="utf-8"?>
 <p:sld xmlns:a="http://schemas.openxmlformats.org/drawingml/2006/main" xmlns:r="http://schemas.openxmlformats.org/officeDocument/2006/relationships" xmlns:p="http://schemas.openxmlformats.org/presentationml/2006/main">
   <p:cSld>
     <p:spTree>
@@ -7914,7 +8549,7 @@
 </p:sld>
 </file>
 
-<file path=ppt/slides/slide21.xml><?xml version="1.0" encoding="utf-8"?>
+<file path=ppt/slides/slide23.xml><?xml version="1.0" encoding="utf-8"?>
 <p:sld xmlns:a="http://schemas.openxmlformats.org/drawingml/2006/main" xmlns:r="http://schemas.openxmlformats.org/officeDocument/2006/relationships" xmlns:p="http://schemas.openxmlformats.org/presentationml/2006/main">
   <p:cSld>
     <p:spTree>
@@ -8256,6 +8891,343 @@
     <p:extLst>
       <p:ext uri="{BB962C8B-B14F-4D97-AF65-F5344CB8AC3E}">
         <p14:creationId xmlns:p14="http://schemas.microsoft.com/office/powerpoint/2010/main" val="457516559"/>
+      </p:ext>
+    </p:extLst>
+  </p:cSld>
+  <p:clrMapOvr>
+    <a:masterClrMapping/>
+  </p:clrMapOvr>
+</p:sld>
+</file>
+
+<file path=ppt/slides/slide24.xml><?xml version="1.0" encoding="utf-8"?>
+<p:sld xmlns:a="http://schemas.openxmlformats.org/drawingml/2006/main" xmlns:r="http://schemas.openxmlformats.org/officeDocument/2006/relationships" xmlns:p="http://schemas.openxmlformats.org/presentationml/2006/main">
+  <p:cSld>
+    <p:spTree>
+      <p:nvGrpSpPr>
+        <p:cNvPr id="1" name=""/>
+        <p:cNvGrpSpPr/>
+        <p:nvPr/>
+      </p:nvGrpSpPr>
+      <p:grpSpPr>
+        <a:xfrm>
+          <a:off x="0" y="0"/>
+          <a:ext cx="0" cy="0"/>
+          <a:chOff x="0" y="0"/>
+          <a:chExt cx="0" cy="0"/>
+        </a:xfrm>
+      </p:grpSpPr>
+      <p:sp>
+        <p:nvSpPr>
+          <p:cNvPr id="4" name="文本框 3">
+            <a:extLst>
+              <a:ext uri="{FF2B5EF4-FFF2-40B4-BE49-F238E27FC236}">
+                <a16:creationId xmlns:a16="http://schemas.microsoft.com/office/drawing/2014/main" id="{F11227A3-4336-42A3-8B8F-A44CFA6F7567}"/>
+              </a:ext>
+            </a:extLst>
+          </p:cNvPr>
+          <p:cNvSpPr txBox="1"/>
+          <p:nvPr/>
+        </p:nvSpPr>
+        <p:spPr>
+          <a:xfrm>
+            <a:off x="92363" y="120073"/>
+            <a:ext cx="5754255" cy="584775"/>
+          </a:xfrm>
+          <a:prstGeom prst="rect">
+            <a:avLst/>
+          </a:prstGeom>
+          <a:noFill/>
+        </p:spPr>
+        <p:txBody>
+          <a:bodyPr wrap="square" rtlCol="0">
+            <a:spAutoFit/>
+          </a:bodyPr>
+          <a:lstStyle/>
+          <a:p>
+            <a:r>
+              <a:rPr lang="en-US" altLang="zh-CN" sz="3200" dirty="0">
+                <a:latin typeface="微软雅黑" panose="020B0503020204020204" pitchFamily="34" charset="-122"/>
+                <a:ea typeface="微软雅黑" panose="020B0503020204020204" pitchFamily="34" charset="-122"/>
+              </a:rPr>
+              <a:t>Tips &amp; QA</a:t>
+            </a:r>
+            <a:endParaRPr lang="zh-CN" altLang="en-US" sz="3200" dirty="0">
+              <a:latin typeface="微软雅黑" panose="020B0503020204020204" pitchFamily="34" charset="-122"/>
+              <a:ea typeface="微软雅黑" panose="020B0503020204020204" pitchFamily="34" charset="-122"/>
+            </a:endParaRPr>
+          </a:p>
+        </p:txBody>
+      </p:sp>
+      <p:sp>
+        <p:nvSpPr>
+          <p:cNvPr id="2" name="文本框 1">
+            <a:extLst>
+              <a:ext uri="{FF2B5EF4-FFF2-40B4-BE49-F238E27FC236}">
+                <a16:creationId xmlns:a16="http://schemas.microsoft.com/office/drawing/2014/main" id="{0C582819-9295-4D56-81DB-3C5ABB18DD9C}"/>
+              </a:ext>
+            </a:extLst>
+          </p:cNvPr>
+          <p:cNvSpPr txBox="1"/>
+          <p:nvPr/>
+        </p:nvSpPr>
+        <p:spPr>
+          <a:xfrm>
+            <a:off x="1117600" y="853440"/>
+            <a:ext cx="4969630" cy="369332"/>
+          </a:xfrm>
+          <a:prstGeom prst="rect">
+            <a:avLst/>
+          </a:prstGeom>
+          <a:noFill/>
+        </p:spPr>
+        <p:txBody>
+          <a:bodyPr wrap="none" rtlCol="0">
+            <a:spAutoFit/>
+          </a:bodyPr>
+          <a:lstStyle/>
+          <a:p>
+            <a:r>
+              <a:rPr lang="en-US" altLang="zh-CN" dirty="0"/>
+              <a:t>Docker </a:t>
+            </a:r>
+            <a:r>
+              <a:rPr lang="en-US" altLang="zh-CN" dirty="0" err="1"/>
+              <a:t>linux</a:t>
+            </a:r>
+            <a:r>
+              <a:rPr lang="zh-CN" altLang="en-US" dirty="0"/>
+              <a:t>容器后端</a:t>
+            </a:r>
+            <a:r>
+              <a:rPr lang="en-US" altLang="zh-CN" dirty="0"/>
+              <a:t>API</a:t>
+            </a:r>
+            <a:r>
+              <a:rPr lang="zh-CN" altLang="en-US" dirty="0"/>
+              <a:t>验证码出不来解决方案</a:t>
+            </a:r>
+          </a:p>
+        </p:txBody>
+      </p:sp>
+      <p:sp>
+        <p:nvSpPr>
+          <p:cNvPr id="3" name="文本框 2">
+            <a:extLst>
+              <a:ext uri="{FF2B5EF4-FFF2-40B4-BE49-F238E27FC236}">
+                <a16:creationId xmlns:a16="http://schemas.microsoft.com/office/drawing/2014/main" id="{D92DEB20-307C-4855-8608-FDA6450EBE8F}"/>
+              </a:ext>
+            </a:extLst>
+          </p:cNvPr>
+          <p:cNvSpPr txBox="1"/>
+          <p:nvPr/>
+        </p:nvSpPr>
+        <p:spPr>
+          <a:xfrm>
+            <a:off x="1435795" y="1747520"/>
+            <a:ext cx="8821646" cy="2031325"/>
+          </a:xfrm>
+          <a:prstGeom prst="rect">
+            <a:avLst/>
+          </a:prstGeom>
+          <a:noFill/>
+        </p:spPr>
+        <p:txBody>
+          <a:bodyPr wrap="none" rtlCol="0">
+            <a:spAutoFit/>
+          </a:bodyPr>
+          <a:lstStyle/>
+          <a:p>
+            <a:pPr marL="342900" indent="-342900">
+              <a:buAutoNum type="arabicPeriod"/>
+            </a:pPr>
+            <a:r>
+              <a:rPr lang="zh-CN" altLang="en-US" dirty="0"/>
+              <a:t>用命令进入容器</a:t>
+            </a:r>
+            <a:r>
+              <a:rPr lang="en-US" altLang="zh-CN" dirty="0"/>
+              <a:t>  </a:t>
+            </a:r>
+            <a:r>
+              <a:rPr lang="en-US" altLang="zh-CN" dirty="0">
+                <a:solidFill>
+                  <a:srgbClr val="00B0F0"/>
+                </a:solidFill>
+              </a:rPr>
+              <a:t>docker exec  -it </a:t>
+            </a:r>
+            <a:r>
+              <a:rPr lang="zh-CN" altLang="en-US" dirty="0">
+                <a:solidFill>
+                  <a:srgbClr val="00B0F0"/>
+                </a:solidFill>
+              </a:rPr>
+              <a:t>容器名称 </a:t>
+            </a:r>
+            <a:r>
+              <a:rPr lang="en-US" altLang="zh-CN" dirty="0">
+                <a:solidFill>
+                  <a:srgbClr val="00B0F0"/>
+                </a:solidFill>
+              </a:rPr>
+              <a:t>bash</a:t>
+            </a:r>
+          </a:p>
+          <a:p>
+            <a:pPr marL="342900" indent="-342900">
+              <a:buAutoNum type="arabicPeriod"/>
+            </a:pPr>
+            <a:r>
+              <a:rPr lang="zh-CN" altLang="en-US" dirty="0"/>
+              <a:t>执行命令 </a:t>
+            </a:r>
+            <a:r>
+              <a:rPr lang="en-US" altLang="zh-CN" dirty="0">
+                <a:solidFill>
+                  <a:srgbClr val="00B0F0"/>
+                </a:solidFill>
+              </a:rPr>
+              <a:t>apt-get update </a:t>
+            </a:r>
+          </a:p>
+          <a:p>
+            <a:pPr marL="342900" indent="-342900">
+              <a:buAutoNum type="arabicPeriod"/>
+            </a:pPr>
+            <a:r>
+              <a:rPr lang="en-US" altLang="zh-CN" dirty="0"/>
+              <a:t>cd .. </a:t>
+            </a:r>
+            <a:r>
+              <a:rPr lang="zh-CN" altLang="en-US" dirty="0"/>
+              <a:t>至根目录</a:t>
+            </a:r>
+            <a:endParaRPr lang="en-US" altLang="zh-CN" dirty="0"/>
+          </a:p>
+          <a:p>
+            <a:pPr marL="342900" indent="-342900">
+              <a:buAutoNum type="arabicPeriod"/>
+            </a:pPr>
+            <a:r>
+              <a:rPr lang="zh-CN" altLang="en-US" dirty="0"/>
+              <a:t>创建</a:t>
+            </a:r>
+            <a:r>
+              <a:rPr lang="en-US" altLang="zh-CN" dirty="0" err="1"/>
+              <a:t>libdl</a:t>
+            </a:r>
+            <a:r>
+              <a:rPr lang="zh-CN" altLang="en-US" dirty="0"/>
+              <a:t>软链接 </a:t>
+            </a:r>
+            <a:r>
+              <a:rPr lang="en-US" altLang="zh-CN" dirty="0">
+                <a:solidFill>
+                  <a:srgbClr val="00B0F0"/>
+                </a:solidFill>
+              </a:rPr>
+              <a:t>ln -s /lib/x86_64-linux-gnu/libdl.so.2 /lib/x86_64-linux-gnu/libdl.so</a:t>
+            </a:r>
+          </a:p>
+          <a:p>
+            <a:pPr marL="342900" indent="-342900">
+              <a:buAutoNum type="arabicPeriod"/>
+            </a:pPr>
+            <a:r>
+              <a:rPr lang="zh-CN" altLang="en-US" dirty="0"/>
+              <a:t>安装 </a:t>
+            </a:r>
+            <a:r>
+              <a:rPr lang="en-US" altLang="zh-CN" dirty="0" err="1"/>
+              <a:t>libgdiplus</a:t>
+            </a:r>
+            <a:r>
+              <a:rPr lang="en-US" altLang="zh-CN" dirty="0"/>
+              <a:t> </a:t>
+            </a:r>
+            <a:r>
+              <a:rPr lang="zh-CN" altLang="en-US" dirty="0"/>
+              <a:t>包 </a:t>
+            </a:r>
+            <a:r>
+              <a:rPr lang="en-US" altLang="zh-CN" dirty="0">
+                <a:solidFill>
+                  <a:srgbClr val="00B0F0"/>
+                </a:solidFill>
+              </a:rPr>
+              <a:t>apt-get install </a:t>
+            </a:r>
+            <a:r>
+              <a:rPr lang="en-US" altLang="zh-CN" dirty="0" err="1">
+                <a:solidFill>
+                  <a:srgbClr val="00B0F0"/>
+                </a:solidFill>
+              </a:rPr>
+              <a:t>libgdiplus</a:t>
+            </a:r>
+            <a:endParaRPr lang="en-US" altLang="zh-CN" dirty="0">
+              <a:solidFill>
+                <a:srgbClr val="00B0F0"/>
+              </a:solidFill>
+            </a:endParaRPr>
+          </a:p>
+          <a:p>
+            <a:pPr marL="342900" indent="-342900">
+              <a:buAutoNum type="arabicPeriod"/>
+            </a:pPr>
+            <a:r>
+              <a:rPr lang="zh-CN" altLang="en-US" dirty="0"/>
+              <a:t>创建</a:t>
+            </a:r>
+            <a:r>
+              <a:rPr lang="en-US" altLang="zh-CN" dirty="0" err="1"/>
+              <a:t>libgdiplus</a:t>
+            </a:r>
+            <a:r>
+              <a:rPr lang="zh-CN" altLang="en-US" dirty="0"/>
+              <a:t>软链接 </a:t>
+            </a:r>
+            <a:r>
+              <a:rPr lang="en-US" altLang="zh-CN" dirty="0">
+                <a:solidFill>
+                  <a:srgbClr val="00B0F0"/>
+                </a:solidFill>
+              </a:rPr>
+              <a:t>ln -s /usr/lib/libgdiplus.so /</a:t>
+            </a:r>
+            <a:r>
+              <a:rPr lang="en-US" altLang="zh-CN" dirty="0" err="1">
+                <a:solidFill>
+                  <a:srgbClr val="00B0F0"/>
+                </a:solidFill>
+              </a:rPr>
+              <a:t>usr</a:t>
+            </a:r>
+            <a:r>
+              <a:rPr lang="en-US" altLang="zh-CN" dirty="0">
+                <a:solidFill>
+                  <a:srgbClr val="00B0F0"/>
+                </a:solidFill>
+              </a:rPr>
+              <a:t>/lib/gdiplus.dll</a:t>
+            </a:r>
+          </a:p>
+          <a:p>
+            <a:pPr marL="342900" indent="-342900">
+              <a:buAutoNum type="arabicPeriod"/>
+            </a:pPr>
+            <a:r>
+              <a:rPr lang="zh-CN" altLang="en-US" dirty="0"/>
+              <a:t>重启容器</a:t>
+            </a:r>
+          </a:p>
+        </p:txBody>
+      </p:sp>
+    </p:spTree>
+    <p:extLst>
+      <p:ext uri="{BB962C8B-B14F-4D97-AF65-F5344CB8AC3E}">
+        <p14:creationId xmlns:p14="http://schemas.microsoft.com/office/powerpoint/2010/main" val="3099468477"/>
       </p:ext>
     </p:extLst>
   </p:cSld>
